--- a/presentation/Team4_Presentation_phase1.pptx
+++ b/presentation/Team4_Presentation_phase1.pptx
@@ -2,21 +2,23 @@
 <file path=ppt/presentation.xml><?xml version="1.0" encoding="utf-8"?>
 <p:presentation xmlns:a="http://schemas.openxmlformats.org/drawingml/2006/main" xmlns:r="http://schemas.openxmlformats.org/officeDocument/2006/relationships" xmlns:p="http://schemas.openxmlformats.org/presentationml/2006/main" showSpecialPlsOnTitleSld="0">
   <p:sldMasterIdLst>
-    <p:sldMasterId id="2147483648" r:id="rId1"/>
+    <p:sldMasterId id="2147483648" r:id="rId2"/>
   </p:sldMasterIdLst>
   <p:notesMasterIdLst>
-    <p:notesMasterId r:id="rId5"/>
+    <p:notesMasterId r:id="rId11"/>
   </p:notesMasterIdLst>
   <p:handoutMasterIdLst>
-    <p:handoutMasterId r:id="rId10"/>
+    <p:handoutMasterId r:id="rId12"/>
   </p:handoutMasterIdLst>
   <p:sldIdLst>
     <p:sldId id="350" r:id="rId3"/>
     <p:sldId id="346" r:id="rId4"/>
-    <p:sldId id="367" r:id="rId6"/>
-    <p:sldId id="368" r:id="rId7"/>
-    <p:sldId id="383" r:id="rId8"/>
-    <p:sldId id="382" r:id="rId9"/>
+    <p:sldId id="367" r:id="rId5"/>
+    <p:sldId id="368" r:id="rId6"/>
+    <p:sldId id="383" r:id="rId7"/>
+    <p:sldId id="384" r:id="rId8"/>
+    <p:sldId id="385" r:id="rId9"/>
+    <p:sldId id="382" r:id="rId10"/>
   </p:sldIdLst>
   <p:sldSz cx="9144000" cy="6858000" type="screen4x3"/>
   <p:notesSz cx="9928225" cy="6797675"/>
@@ -148,21 +150,121 @@
   <p:extLst>
     <p:ext uri="{521415D9-36F7-43E2-AB2F-B90AF26B5E84}">
       <p14:sectionLst xmlns:p14="http://schemas.microsoft.com/office/powerpoint/2010/main">
-        <p14:section name="Default Section" id="{5cb5d786-a07e-4ab7-bc11-aa6b11dcbffe}">
+        <p14:section name="Default Section" id="{5CB5D786-A07E-4AB7-BC11-AA6B11DCBFFE}">
           <p14:sldIdLst>
             <p14:sldId id="350"/>
+            <p14:sldId id="346"/>
             <p14:sldId id="367"/>
-            <p14:sldId id="346"/>
           </p14:sldIdLst>
         </p14:section>
-        <p14:section name="Untitled Section" id="{1636f679-7615-47e8-8db7-15e220253231}">
+        <p14:section name="Untitled Section" id="{1636F679-7615-47E8-8DB7-15E220253231}">
           <p14:sldIdLst>
             <p14:sldId id="368"/>
             <p14:sldId id="383"/>
+            <p14:sldId id="384"/>
+            <p14:sldId id="385"/>
             <p14:sldId id="382"/>
           </p14:sldIdLst>
         </p14:section>
       </p14:sectionLst>
+    </p:ext>
+    <p:ext uri="{EFAFB233-063F-42B5-8137-9DF3F51BA10A}">
+      <p15:sldGuideLst xmlns:p15="http://schemas.microsoft.com/office/powerpoint/2012/main">
+        <p15:guide id="1" orient="horz" pos="1480">
+          <p15:clr>
+            <a:srgbClr val="A4A3A4"/>
+          </p15:clr>
+        </p15:guide>
+        <p15:guide id="2" orient="horz" pos="799">
+          <p15:clr>
+            <a:srgbClr val="A4A3A4"/>
+          </p15:clr>
+        </p15:guide>
+        <p15:guide id="3" orient="horz" pos="430">
+          <p15:clr>
+            <a:srgbClr val="A4A3A4"/>
+          </p15:clr>
+        </p15:guide>
+        <p15:guide id="4" orient="horz" pos="2415">
+          <p15:clr>
+            <a:srgbClr val="A4A3A4"/>
+          </p15:clr>
+        </p15:guide>
+        <p15:guide id="5" orient="horz" pos="3748">
+          <p15:clr>
+            <a:srgbClr val="A4A3A4"/>
+          </p15:clr>
+        </p15:guide>
+        <p15:guide id="6" orient="horz" pos="1026">
+          <p15:clr>
+            <a:srgbClr val="A4A3A4"/>
+          </p15:clr>
+        </p15:guide>
+        <p15:guide id="7" orient="horz" pos="3521">
+          <p15:clr>
+            <a:srgbClr val="A4A3A4"/>
+          </p15:clr>
+        </p15:guide>
+        <p15:guide id="8" pos="545">
+          <p15:clr>
+            <a:srgbClr val="A4A3A4"/>
+          </p15:clr>
+        </p15:guide>
+        <p15:guide id="9" pos="205">
+          <p15:clr>
+            <a:srgbClr val="A4A3A4"/>
+          </p15:clr>
+        </p15:guide>
+        <p15:guide id="10" pos="5511">
+          <p15:clr>
+            <a:srgbClr val="A4A3A4"/>
+          </p15:clr>
+        </p15:guide>
+        <p15:guide id="11" pos="4241">
+          <p15:clr>
+            <a:srgbClr val="A4A3A4"/>
+          </p15:clr>
+        </p15:guide>
+        <p15:guide id="12" pos="4468">
+          <p15:clr>
+            <a:srgbClr val="A4A3A4"/>
+          </p15:clr>
+        </p15:guide>
+        <p15:guide id="13" pos="793">
+          <p15:clr>
+            <a:srgbClr val="A4A3A4"/>
+          </p15:clr>
+        </p15:guide>
+        <p15:guide id="14" pos="2187">
+          <p15:clr>
+            <a:srgbClr val="A4A3A4"/>
+          </p15:clr>
+        </p15:guide>
+        <p15:guide id="15" pos="1791">
+          <p15:clr>
+            <a:srgbClr val="A4A3A4"/>
+          </p15:clr>
+        </p15:guide>
+        <p15:guide id="16" pos="3969">
+          <p15:clr>
+            <a:srgbClr val="A4A3A4"/>
+          </p15:clr>
+        </p15:guide>
+      </p15:sldGuideLst>
+    </p:ext>
+    <p:ext uri="{2D200454-40CA-4A62-9FC3-DE9A4176ACB9}">
+      <p15:notesGuideLst xmlns:p15="http://schemas.microsoft.com/office/powerpoint/2012/main">
+        <p15:guide id="1" orient="horz" pos="2113">
+          <p15:clr>
+            <a:srgbClr val="A4A3A4"/>
+          </p15:clr>
+        </p15:guide>
+        <p15:guide id="2" pos="3151">
+          <p15:clr>
+            <a:srgbClr val="A4A3A4"/>
+          </p15:clr>
+        </p15:guide>
+      </p15:notesGuideLst>
     </p:ext>
   </p:extLst>
 </p:presentation>
@@ -427,12 +529,18 @@
             </a:pPr>
             <a:fld id="{A6389E56-B004-46F7-9459-1425C9ED3CA7}" type="slidenum">
               <a:rPr lang="de-DE"/>
+              <a:t>‹#›</a:t>
             </a:fld>
             <a:endParaRPr lang="de-DE"/>
           </a:p>
         </p:txBody>
       </p:sp>
     </p:spTree>
+    <p:extLst>
+      <p:ext uri="{BB962C8B-B14F-4D97-AF65-F5344CB8AC3E}">
+        <p14:creationId xmlns:p14="http://schemas.microsoft.com/office/powerpoint/2010/main" val="1"/>
+      </p:ext>
+    </p:extLst>
   </p:cSld>
   <p:clrMap bg1="lt1" tx1="dk1" bg2="lt2" tx2="dk2" accent1="accent1" accent2="accent2" accent3="accent3" accent4="accent4" accent5="accent5" accent6="accent6" hlink="hlink" folHlink="folHlink"/>
 </p:handoutMaster>
@@ -668,7 +776,6 @@
               <a:rPr lang="en-GB" b="0" i="0" u="none" baseline="0"/>
               <a:t>Click to edit Master text styles</a:t>
             </a:r>
-            <a:endParaRPr lang="en-GB" b="0" i="0" u="none" baseline="0"/>
           </a:p>
           <a:p>
             <a:pPr lvl="1" algn="l" rtl="0"/>
@@ -676,7 +783,6 @@
               <a:rPr lang="en-GB" b="0" i="0" u="none" baseline="0"/>
               <a:t>Second level</a:t>
             </a:r>
-            <a:endParaRPr lang="en-GB" b="0" i="0" u="none" baseline="0"/>
           </a:p>
           <a:p>
             <a:pPr lvl="2" algn="l" rtl="0"/>
@@ -684,7 +790,6 @@
               <a:rPr lang="en-GB" b="0" i="0" u="none" baseline="0"/>
               <a:t>Third level</a:t>
             </a:r>
-            <a:endParaRPr lang="en-GB" b="0" i="0" u="none" baseline="0"/>
           </a:p>
           <a:p>
             <a:pPr lvl="3" algn="l" rtl="0"/>
@@ -692,7 +797,6 @@
               <a:rPr lang="en-GB" b="0" i="0" u="none" baseline="0"/>
               <a:t>Fourth level</a:t>
             </a:r>
-            <a:endParaRPr lang="en-GB" b="0" i="0" u="none" baseline="0"/>
           </a:p>
           <a:p>
             <a:pPr lvl="4" algn="l" rtl="0"/>
@@ -700,7 +804,6 @@
               <a:rPr lang="en-GB" b="0" i="0" u="none" baseline="0"/>
               <a:t>Fifth level</a:t>
             </a:r>
-            <a:endParaRPr lang="en-GB" b="0" i="0" u="none" baseline="0"/>
           </a:p>
         </p:txBody>
       </p:sp>
@@ -820,6 +923,7 @@
             </a:pPr>
             <a:fld id="{54380608-6676-4749-BFD4-FD75973E965B}" type="slidenum">
               <a:rPr/>
+              <a:t>‹#›</a:t>
             </a:fld>
             <a:endParaRPr lang="en-GB"/>
           </a:p>
@@ -1021,6 +1125,7 @@
             </a:pPr>
             <a:fld id="{54380608-6676-4749-BFD4-FD75973E965B}" type="slidenum">
               <a:rPr/>
+              <a:t>2</a:t>
             </a:fld>
             <a:endParaRPr lang="en-GB"/>
           </a:p>
@@ -1102,6 +1207,7 @@
             </a:pPr>
             <a:fld id="{54380608-6676-4749-BFD4-FD75973E965B}" type="slidenum">
               <a:rPr/>
+              <a:t>3</a:t>
             </a:fld>
             <a:endParaRPr lang="en-GB"/>
           </a:p>
@@ -1183,6 +1289,7 @@
             </a:pPr>
             <a:fld id="{54380608-6676-4749-BFD4-FD75973E965B}" type="slidenum">
               <a:rPr/>
+              <a:t>4</a:t>
             </a:fld>
             <a:endParaRPr lang="en-GB"/>
           </a:p>
@@ -1264,6 +1371,7 @@
             </a:pPr>
             <a:fld id="{54380608-6676-4749-BFD4-FD75973E965B}" type="slidenum">
               <a:rPr/>
+              <a:t>5</a:t>
             </a:fld>
             <a:endParaRPr lang="en-GB"/>
           </a:p>
@@ -1345,6 +1453,7 @@
             </a:pPr>
             <a:fld id="{54380608-6676-4749-BFD4-FD75973E965B}" type="slidenum">
               <a:rPr/>
+              <a:t>8</a:t>
             </a:fld>
             <a:endParaRPr lang="en-GB"/>
           </a:p>
@@ -1359,7 +1468,7 @@
 </file>
 
 <file path=ppt/slideLayouts/slideLayout1.xml><?xml version="1.0" encoding="utf-8"?>
-<p:sldLayout xmlns:a="http://schemas.openxmlformats.org/drawingml/2006/main" xmlns:r="http://schemas.openxmlformats.org/officeDocument/2006/relationships" xmlns:p="http://schemas.openxmlformats.org/presentationml/2006/main" preserve="1" showMasterSp="0" userDrawn="1">
+<p:sldLayout xmlns:a="http://schemas.openxmlformats.org/drawingml/2006/main" xmlns:r="http://schemas.openxmlformats.org/officeDocument/2006/relationships" xmlns:p="http://schemas.openxmlformats.org/presentationml/2006/main" showMasterSp="0" preserve="1" userDrawn="1">
   <p:cSld name="Titelfolie">
     <p:spTree>
       <p:nvGrpSpPr>
@@ -1409,10 +1518,9 @@
           <a:p>
             <a:pPr lvl="0" algn="l" rtl="0"/>
             <a:r>
-              <a:rPr lang="de-DE" b="1" i="0" u="none" baseline="0" smtClean="0"/>
+              <a:rPr lang="de-DE" b="1" i="0" u="none" baseline="0"/>
               <a:t>Formatvorlagen des Textmasters bearbeiten</a:t>
             </a:r>
-            <a:endParaRPr lang="de-DE" b="1" i="0" u="none" baseline="0" smtClean="0"/>
           </a:p>
         </p:txBody>
       </p:sp>
@@ -1446,7 +1554,7 @@
           <a:p>
             <a:pPr algn="l" rtl="0"/>
             <a:r>
-              <a:rPr lang="de-DE" b="0" i="0" u="none" baseline="0" smtClean="0"/>
+              <a:rPr lang="de-DE" b="0" i="0" u="none" baseline="0"/>
               <a:t>Bild durch Klicken auf Symbol hinzufügen</a:t>
             </a:r>
             <a:endParaRPr lang="en-GB" dirty="0"/>
@@ -1483,10 +1591,9 @@
           <a:p>
             <a:pPr lvl="0" algn="l" rtl="0"/>
             <a:r>
-              <a:rPr lang="de-DE" b="0" i="0" u="none" baseline="0" smtClean="0"/>
+              <a:rPr lang="de-DE" b="0" i="0" u="none" baseline="0"/>
               <a:t>Formatvorlagen des Textmasters bearbeiten</a:t>
             </a:r>
-            <a:endParaRPr lang="de-DE" b="0" i="0" u="none" baseline="0" smtClean="0"/>
           </a:p>
         </p:txBody>
       </p:sp>
@@ -1525,18 +1632,11 @@
   <p:clrMapOvr>
     <a:masterClrMapping/>
   </p:clrMapOvr>
-  <p:timing>
-    <p:tnLst>
-      <p:par>
-        <p:cTn id="1" dur="indefinite" restart="never" nodeType="tmRoot"/>
-      </p:par>
-    </p:tnLst>
-  </p:timing>
 </p:sldLayout>
 </file>
 
 <file path=ppt/slideLayouts/slideLayout10.xml><?xml version="1.0" encoding="utf-8"?>
-<p:sldLayout xmlns:a="http://schemas.openxmlformats.org/drawingml/2006/main" xmlns:r="http://schemas.openxmlformats.org/officeDocument/2006/relationships" xmlns:p="http://schemas.openxmlformats.org/presentationml/2006/main" preserve="1" showMasterSp="0" userDrawn="1">
+<p:sldLayout xmlns:a="http://schemas.openxmlformats.org/drawingml/2006/main" xmlns:r="http://schemas.openxmlformats.org/officeDocument/2006/relationships" xmlns:p="http://schemas.openxmlformats.org/presentationml/2006/main" showMasterSp="0" preserve="1" userDrawn="1">
   <p:cSld name="Panoramabild mit Text">
     <p:spTree>
       <p:nvGrpSpPr>
@@ -1618,6 +1718,7 @@
             <a:pPr algn="l" rtl="0"/>
             <a:fld id="{78742581-81B1-425F-B25E-3CD197136A05}" type="slidenum">
               <a:rPr/>
+              <a:t>‹#›</a:t>
             </a:fld>
             <a:endParaRPr lang="en-GB" dirty="0"/>
           </a:p>
@@ -1659,7 +1760,7 @@
           <a:p>
             <a:pPr algn="l" rtl="0"/>
             <a:r>
-              <a:rPr lang="de-DE" b="0" i="1" u="none" baseline="0" smtClean="0"/>
+              <a:rPr lang="de-DE" b="0" i="1" u="none" baseline="0"/>
               <a:t>Titelmasterformat durch Klicken bearbeiten</a:t>
             </a:r>
             <a:endParaRPr lang="en-GB" dirty="0"/>
@@ -1760,7 +1861,7 @@
               <a:buFontTx/>
               <a:buNone/>
             </a:pPr>
-            <a:endParaRPr kumimoji="0" lang="en-GB" sz="1800" b="0" i="0" u="none" strike="noStrike" cap="none" normalizeH="0" baseline="0" smtClean="0">
+            <a:endParaRPr kumimoji="0" lang="en-GB" sz="1800" b="0" i="0" u="none" strike="noStrike" cap="none" normalizeH="0" baseline="0">
               <a:ln>
                 <a:noFill/>
               </a:ln>
@@ -1842,26 +1943,23 @@
           <a:p>
             <a:pPr lvl="0" algn="l" rtl="0"/>
             <a:r>
-              <a:rPr lang="de-DE" b="0" i="0" u="none" baseline="0" smtClean="0"/>
+              <a:rPr lang="de-DE" b="0" i="0" u="none" baseline="0"/>
               <a:t>Formatvorlagen des Textmasters bearbeiten</a:t>
             </a:r>
-            <a:endParaRPr lang="de-DE" b="0" i="0" u="none" baseline="0" smtClean="0"/>
           </a:p>
           <a:p>
             <a:pPr lvl="1" algn="l" rtl="0"/>
             <a:r>
-              <a:rPr lang="de-DE" b="0" i="0" u="none" baseline="0" smtClean="0"/>
+              <a:rPr lang="de-DE" b="0" i="0" u="none" baseline="0"/>
               <a:t>Zweite Ebene</a:t>
             </a:r>
-            <a:endParaRPr lang="de-DE" b="0" i="0" u="none" baseline="0" smtClean="0"/>
           </a:p>
           <a:p>
             <a:pPr lvl="2" algn="l" rtl="0"/>
             <a:r>
-              <a:rPr lang="de-DE" b="0" i="0" u="none" baseline="0" smtClean="0"/>
+              <a:rPr lang="de-DE" b="0" i="0" u="none" baseline="0"/>
               <a:t>Dritte Ebene</a:t>
             </a:r>
-            <a:endParaRPr lang="de-DE" b="0" i="0" u="none" baseline="0" smtClean="0"/>
           </a:p>
         </p:txBody>
       </p:sp>
@@ -1895,7 +1993,7 @@
           <a:p>
             <a:pPr algn="l" rtl="0"/>
             <a:r>
-              <a:rPr lang="de-DE" b="0" i="0" u="none" baseline="0" smtClean="0"/>
+              <a:rPr lang="de-DE" b="0" i="0" u="none" baseline="0"/>
               <a:t>Bild durch Klicken auf Symbol hinzufügen</a:t>
             </a:r>
             <a:endParaRPr lang="en-GB" dirty="0"/>
@@ -1984,18 +2082,11 @@
   <p:clrMapOvr>
     <a:masterClrMapping/>
   </p:clrMapOvr>
-  <p:timing>
-    <p:tnLst>
-      <p:par>
-        <p:cTn id="1" dur="indefinite" restart="never" nodeType="tmRoot"/>
-      </p:par>
-    </p:tnLst>
-  </p:timing>
 </p:sldLayout>
 </file>
 
 <file path=ppt/slideLayouts/slideLayout11.xml><?xml version="1.0" encoding="utf-8"?>
-<p:sldLayout xmlns:a="http://schemas.openxmlformats.org/drawingml/2006/main" xmlns:r="http://schemas.openxmlformats.org/officeDocument/2006/relationships" xmlns:p="http://schemas.openxmlformats.org/presentationml/2006/main" preserve="1" showMasterSp="0" userDrawn="1">
+<p:sldLayout xmlns:a="http://schemas.openxmlformats.org/drawingml/2006/main" xmlns:r="http://schemas.openxmlformats.org/officeDocument/2006/relationships" xmlns:p="http://schemas.openxmlformats.org/presentationml/2006/main" showMasterSp="0" preserve="1" userDrawn="1">
   <p:cSld name="3 Bilder rechts">
     <p:spTree>
       <p:nvGrpSpPr>
@@ -2077,6 +2168,7 @@
             <a:pPr algn="l" rtl="0"/>
             <a:fld id="{78742581-81B1-425F-B25E-3CD197136A05}" type="slidenum">
               <a:rPr/>
+              <a:t>‹#›</a:t>
             </a:fld>
             <a:endParaRPr lang="en-GB" dirty="0"/>
           </a:p>
@@ -2118,7 +2210,7 @@
           <a:p>
             <a:pPr algn="l" rtl="0"/>
             <a:r>
-              <a:rPr lang="de-DE" b="0" i="1" u="none" baseline="0" smtClean="0"/>
+              <a:rPr lang="de-DE" b="0" i="1" u="none" baseline="0"/>
               <a:t>Titelmasterformat durch Klicken bearbeiten</a:t>
             </a:r>
             <a:endParaRPr lang="en-GB" dirty="0"/>
@@ -2236,34 +2328,30 @@
           <a:p>
             <a:pPr lvl="0" algn="l" rtl="0"/>
             <a:r>
-              <a:rPr lang="de-DE" b="0" i="0" u="none" baseline="0" smtClean="0"/>
+              <a:rPr lang="de-DE" b="0" i="0" u="none" baseline="0"/>
               <a:t>Formatvorlagen des Textmasters bearbeiten</a:t>
             </a:r>
-            <a:endParaRPr lang="de-DE" b="0" i="0" u="none" baseline="0" smtClean="0"/>
           </a:p>
           <a:p>
             <a:pPr lvl="1" algn="l" rtl="0"/>
             <a:r>
-              <a:rPr lang="de-DE" b="0" i="0" u="none" baseline="0" smtClean="0"/>
+              <a:rPr lang="de-DE" b="0" i="0" u="none" baseline="0"/>
               <a:t>Zweite Ebene</a:t>
             </a:r>
-            <a:endParaRPr lang="de-DE" b="0" i="0" u="none" baseline="0" smtClean="0"/>
           </a:p>
           <a:p>
             <a:pPr lvl="2" algn="l" rtl="0"/>
             <a:r>
-              <a:rPr lang="de-DE" b="0" i="0" u="none" baseline="0" smtClean="0"/>
+              <a:rPr lang="de-DE" b="0" i="0" u="none" baseline="0"/>
               <a:t>Dritte Ebene</a:t>
             </a:r>
-            <a:endParaRPr lang="de-DE" b="0" i="0" u="none" baseline="0" smtClean="0"/>
           </a:p>
           <a:p>
             <a:pPr lvl="3" algn="l" rtl="0"/>
             <a:r>
-              <a:rPr lang="de-DE" b="0" i="0" u="none" baseline="0" smtClean="0"/>
+              <a:rPr lang="de-DE" b="0" i="0" u="none" baseline="0"/>
               <a:t>Vierte Ebene</a:t>
             </a:r>
-            <a:endParaRPr lang="de-DE" b="0" i="0" u="none" baseline="0" smtClean="0"/>
           </a:p>
         </p:txBody>
       </p:sp>
@@ -2297,7 +2385,7 @@
           <a:p>
             <a:pPr algn="l" rtl="0"/>
             <a:r>
-              <a:rPr lang="de-DE" b="0" i="0" u="none" baseline="0" smtClean="0"/>
+              <a:rPr lang="de-DE" b="0" i="0" u="none" baseline="0"/>
               <a:t>Bild durch Klicken auf Symbol hinzufügen</a:t>
             </a:r>
             <a:endParaRPr lang="en-GB" dirty="0"/>
@@ -2349,7 +2437,7 @@
               <a:buFontTx/>
               <a:buNone/>
             </a:pPr>
-            <a:endParaRPr kumimoji="0" lang="en-GB" sz="1800" b="0" i="0" u="none" strike="noStrike" cap="none" normalizeH="0" baseline="0" smtClean="0">
+            <a:endParaRPr kumimoji="0" lang="en-GB" sz="1800" b="0" i="0" u="none" strike="noStrike" cap="none" normalizeH="0" baseline="0">
               <a:ln>
                 <a:noFill/>
               </a:ln>
@@ -2392,7 +2480,7 @@
           <a:p>
             <a:pPr algn="l" rtl="0"/>
             <a:r>
-              <a:rPr lang="de-DE" b="0" i="0" u="none" baseline="0" smtClean="0"/>
+              <a:rPr lang="de-DE" b="0" i="0" u="none" baseline="0"/>
               <a:t>Bild durch Klicken auf Symbol hinzufügen</a:t>
             </a:r>
             <a:endParaRPr lang="en-GB" dirty="0"/>
@@ -2429,7 +2517,7 @@
           <a:p>
             <a:pPr algn="l" rtl="0"/>
             <a:r>
-              <a:rPr lang="de-DE" b="0" i="0" u="none" baseline="0" smtClean="0"/>
+              <a:rPr lang="de-DE" b="0" i="0" u="none" baseline="0"/>
               <a:t>Bild durch Klicken auf Symbol hinzufügen</a:t>
             </a:r>
             <a:endParaRPr lang="en-GB" dirty="0"/>
@@ -2518,18 +2606,11 @@
   <p:clrMapOvr>
     <a:masterClrMapping/>
   </p:clrMapOvr>
-  <p:timing>
-    <p:tnLst>
-      <p:par>
-        <p:cTn id="1" dur="indefinite" restart="never" nodeType="tmRoot"/>
-      </p:par>
-    </p:tnLst>
-  </p:timing>
 </p:sldLayout>
 </file>
 
 <file path=ppt/slideLayouts/slideLayout12.xml><?xml version="1.0" encoding="utf-8"?>
-<p:sldLayout xmlns:a="http://schemas.openxmlformats.org/drawingml/2006/main" xmlns:r="http://schemas.openxmlformats.org/officeDocument/2006/relationships" xmlns:p="http://schemas.openxmlformats.org/presentationml/2006/main" preserve="1" showMasterSp="0" userDrawn="1">
+<p:sldLayout xmlns:a="http://schemas.openxmlformats.org/drawingml/2006/main" xmlns:r="http://schemas.openxmlformats.org/officeDocument/2006/relationships" xmlns:p="http://schemas.openxmlformats.org/presentationml/2006/main" showMasterSp="0" preserve="1" userDrawn="1">
   <p:cSld name="3 Bilder links">
     <p:spTree>
       <p:nvGrpSpPr>
@@ -2611,6 +2692,7 @@
             <a:pPr algn="l" rtl="0"/>
             <a:fld id="{78742581-81B1-425F-B25E-3CD197136A05}" type="slidenum">
               <a:rPr/>
+              <a:t>‹#›</a:t>
             </a:fld>
             <a:endParaRPr lang="en-GB" dirty="0"/>
           </a:p>
@@ -2652,7 +2734,7 @@
           <a:p>
             <a:pPr algn="l" rtl="0"/>
             <a:r>
-              <a:rPr lang="de-DE" b="0" i="1" u="none" baseline="0" smtClean="0"/>
+              <a:rPr lang="de-DE" b="0" i="1" u="none" baseline="0"/>
               <a:t>Titelmasterformat durch Klicken bearbeiten</a:t>
             </a:r>
             <a:endParaRPr lang="en-GB" dirty="0"/>
@@ -2736,7 +2818,7 @@
           <a:p>
             <a:pPr algn="l" rtl="0"/>
             <a:r>
-              <a:rPr lang="de-DE" b="0" i="0" u="none" baseline="0" smtClean="0"/>
+              <a:rPr lang="de-DE" b="0" i="0" u="none" baseline="0"/>
               <a:t>Bild durch Klicken auf Symbol hinzufügen</a:t>
             </a:r>
             <a:endParaRPr lang="en-GB" dirty="0"/>
@@ -2807,34 +2889,30 @@
           <a:p>
             <a:pPr lvl="0" algn="l" rtl="0"/>
             <a:r>
-              <a:rPr lang="de-DE" b="0" i="0" u="none" baseline="0" smtClean="0"/>
+              <a:rPr lang="de-DE" b="0" i="0" u="none" baseline="0"/>
               <a:t>Formatvorlagen des Textmasters bearbeiten</a:t>
             </a:r>
-            <a:endParaRPr lang="de-DE" b="0" i="0" u="none" baseline="0" smtClean="0"/>
           </a:p>
           <a:p>
             <a:pPr lvl="1" algn="l" rtl="0"/>
             <a:r>
-              <a:rPr lang="de-DE" b="0" i="0" u="none" baseline="0" smtClean="0"/>
+              <a:rPr lang="de-DE" b="0" i="0" u="none" baseline="0"/>
               <a:t>Zweite Ebene</a:t>
             </a:r>
-            <a:endParaRPr lang="de-DE" b="0" i="0" u="none" baseline="0" smtClean="0"/>
           </a:p>
           <a:p>
             <a:pPr lvl="2" algn="l" rtl="0"/>
             <a:r>
-              <a:rPr lang="de-DE" b="0" i="0" u="none" baseline="0" smtClean="0"/>
+              <a:rPr lang="de-DE" b="0" i="0" u="none" baseline="0"/>
               <a:t>Dritte Ebene</a:t>
             </a:r>
-            <a:endParaRPr lang="de-DE" b="0" i="0" u="none" baseline="0" smtClean="0"/>
           </a:p>
           <a:p>
             <a:pPr lvl="3" algn="l" rtl="0"/>
             <a:r>
-              <a:rPr lang="de-DE" b="0" i="0" u="none" baseline="0" smtClean="0"/>
+              <a:rPr lang="de-DE" b="0" i="0" u="none" baseline="0"/>
               <a:t>Vierte Ebene</a:t>
             </a:r>
-            <a:endParaRPr lang="de-DE" b="0" i="0" u="none" baseline="0" smtClean="0"/>
           </a:p>
         </p:txBody>
       </p:sp>
@@ -2883,7 +2961,7 @@
               <a:buFontTx/>
               <a:buNone/>
             </a:pPr>
-            <a:endParaRPr kumimoji="0" lang="en-GB" sz="1800" b="0" i="0" u="none" strike="noStrike" cap="none" normalizeH="0" baseline="0" smtClean="0">
+            <a:endParaRPr kumimoji="0" lang="en-GB" sz="1800" b="0" i="0" u="none" strike="noStrike" cap="none" normalizeH="0" baseline="0">
               <a:ln>
                 <a:noFill/>
               </a:ln>
@@ -2926,7 +3004,7 @@
           <a:p>
             <a:pPr algn="l" rtl="0"/>
             <a:r>
-              <a:rPr lang="de-DE" b="0" i="0" u="none" baseline="0" smtClean="0"/>
+              <a:rPr lang="de-DE" b="0" i="0" u="none" baseline="0"/>
               <a:t>Bild durch Klicken auf Symbol hinzufügen</a:t>
             </a:r>
             <a:endParaRPr lang="en-GB" dirty="0"/>
@@ -2963,7 +3041,7 @@
           <a:p>
             <a:pPr algn="l" rtl="0"/>
             <a:r>
-              <a:rPr lang="de-DE" b="0" i="0" u="none" baseline="0" smtClean="0"/>
+              <a:rPr lang="de-DE" b="0" i="0" u="none" baseline="0"/>
               <a:t>Bild durch Klicken auf Symbol hinzufügen</a:t>
             </a:r>
             <a:endParaRPr lang="en-GB" dirty="0"/>
@@ -3052,18 +3130,11 @@
   <p:clrMapOvr>
     <a:masterClrMapping/>
   </p:clrMapOvr>
-  <p:timing>
-    <p:tnLst>
-      <p:par>
-        <p:cTn id="1" dur="indefinite" restart="never" nodeType="tmRoot"/>
-      </p:par>
-    </p:tnLst>
-  </p:timing>
 </p:sldLayout>
 </file>
 
 <file path=ppt/slideLayouts/slideLayout13.xml><?xml version="1.0" encoding="utf-8"?>
-<p:sldLayout xmlns:a="http://schemas.openxmlformats.org/drawingml/2006/main" xmlns:r="http://schemas.openxmlformats.org/officeDocument/2006/relationships" xmlns:p="http://schemas.openxmlformats.org/presentationml/2006/main" preserve="1" showMasterSp="0" userDrawn="1">
+<p:sldLayout xmlns:a="http://schemas.openxmlformats.org/drawingml/2006/main" xmlns:r="http://schemas.openxmlformats.org/officeDocument/2006/relationships" xmlns:p="http://schemas.openxmlformats.org/presentationml/2006/main" showMasterSp="0" preserve="1" userDrawn="1">
   <p:cSld name="Beliebiger Inhalt vollflächig">
     <p:spTree>
       <p:nvGrpSpPr>
@@ -3145,6 +3216,7 @@
             <a:pPr algn="l" rtl="0"/>
             <a:fld id="{78742581-81B1-425F-B25E-3CD197136A05}" type="slidenum">
               <a:rPr/>
+              <a:t>‹#›</a:t>
             </a:fld>
             <a:endParaRPr lang="en-GB" dirty="0"/>
           </a:p>
@@ -3186,7 +3258,7 @@
           <a:p>
             <a:pPr algn="l" rtl="0"/>
             <a:r>
-              <a:rPr lang="de-DE" b="0" i="1" u="none" baseline="0" smtClean="0"/>
+              <a:rPr lang="de-DE" b="0" i="1" u="none" baseline="0"/>
               <a:t>Titelmasterformat durch Klicken bearbeiten</a:t>
             </a:r>
             <a:endParaRPr lang="en-GB" dirty="0"/>
@@ -3283,39 +3355,35 @@
           <a:p>
             <a:pPr lvl="0" algn="l" rtl="0"/>
             <a:r>
-              <a:rPr lang="de-DE" b="0" i="0" u="none" baseline="0" smtClean="0"/>
+              <a:rPr lang="de-DE" b="0" i="0" u="none" baseline="0"/>
               <a:t>Formatvorlagen des Textmasters bearbeiten</a:t>
             </a:r>
-            <a:endParaRPr lang="de-DE" b="0" i="0" u="none" baseline="0" smtClean="0"/>
           </a:p>
           <a:p>
             <a:pPr lvl="1" algn="l" rtl="0"/>
             <a:r>
-              <a:rPr lang="de-DE" b="0" i="0" u="none" baseline="0" smtClean="0"/>
+              <a:rPr lang="de-DE" b="0" i="0" u="none" baseline="0"/>
               <a:t>Zweite Ebene</a:t>
             </a:r>
-            <a:endParaRPr lang="de-DE" b="0" i="0" u="none" baseline="0" smtClean="0"/>
           </a:p>
           <a:p>
             <a:pPr lvl="2" algn="l" rtl="0"/>
             <a:r>
-              <a:rPr lang="de-DE" b="0" i="0" u="none" baseline="0" smtClean="0"/>
+              <a:rPr lang="de-DE" b="0" i="0" u="none" baseline="0"/>
               <a:t>Dritte Ebene</a:t>
             </a:r>
-            <a:endParaRPr lang="de-DE" b="0" i="0" u="none" baseline="0" smtClean="0"/>
           </a:p>
           <a:p>
             <a:pPr lvl="3" algn="l" rtl="0"/>
             <a:r>
-              <a:rPr lang="de-DE" b="0" i="0" u="none" baseline="0" smtClean="0"/>
+              <a:rPr lang="de-DE" b="0" i="0" u="none" baseline="0"/>
               <a:t>Vierte Ebene</a:t>
             </a:r>
-            <a:endParaRPr lang="de-DE" b="0" i="0" u="none" baseline="0" smtClean="0"/>
           </a:p>
           <a:p>
             <a:pPr lvl="4" algn="l" rtl="0"/>
             <a:r>
-              <a:rPr lang="de-DE" b="0" i="0" u="none" baseline="0" smtClean="0"/>
+              <a:rPr lang="de-DE" b="0" i="0" u="none" baseline="0"/>
               <a:t>Fünfte Ebene</a:t>
             </a:r>
             <a:endParaRPr lang="en-GB" dirty="0"/>
@@ -3404,18 +3472,11 @@
   <p:clrMapOvr>
     <a:masterClrMapping/>
   </p:clrMapOvr>
-  <p:timing>
-    <p:tnLst>
-      <p:par>
-        <p:cTn id="1" dur="indefinite" restart="never" nodeType="tmRoot"/>
-      </p:par>
-    </p:tnLst>
-  </p:timing>
 </p:sldLayout>
 </file>
 
 <file path=ppt/slideLayouts/slideLayout14.xml><?xml version="1.0" encoding="utf-8"?>
-<p:sldLayout xmlns:a="http://schemas.openxmlformats.org/drawingml/2006/main" xmlns:r="http://schemas.openxmlformats.org/officeDocument/2006/relationships" xmlns:p="http://schemas.openxmlformats.org/presentationml/2006/main" preserve="1" showMasterSp="0" userDrawn="1">
+<p:sldLayout xmlns:a="http://schemas.openxmlformats.org/drawingml/2006/main" xmlns:r="http://schemas.openxmlformats.org/officeDocument/2006/relationships" xmlns:p="http://schemas.openxmlformats.org/presentationml/2006/main" showMasterSp="0" preserve="1" userDrawn="1">
   <p:cSld name="Beliebiger Inhalt mit Überschrift">
     <p:spTree>
       <p:nvGrpSpPr>
@@ -3497,6 +3558,7 @@
             <a:pPr algn="l" rtl="0"/>
             <a:fld id="{78742581-81B1-425F-B25E-3CD197136A05}" type="slidenum">
               <a:rPr/>
+              <a:t>‹#›</a:t>
             </a:fld>
             <a:endParaRPr lang="en-GB" dirty="0"/>
           </a:p>
@@ -3535,7 +3597,7 @@
           <a:p>
             <a:pPr algn="l" rtl="0"/>
             <a:r>
-              <a:rPr lang="de-DE" b="0" i="1" u="none" baseline="0" smtClean="0"/>
+              <a:rPr lang="de-DE" b="0" i="1" u="none" baseline="0"/>
               <a:t>Titelmasterformat durch Klicken bearbeiten</a:t>
             </a:r>
             <a:endParaRPr lang="en-GB" dirty="0"/>
@@ -3634,7 +3696,7 @@
               <a:buFontTx/>
               <a:buNone/>
             </a:pPr>
-            <a:endParaRPr kumimoji="0" lang="en-GB" sz="1800" b="0" i="0" u="none" strike="noStrike" cap="none" normalizeH="0" baseline="0" smtClean="0">
+            <a:endParaRPr kumimoji="0" lang="en-GB" sz="1800" b="0" i="0" u="none" strike="noStrike" cap="none" normalizeH="0" baseline="0">
               <a:ln>
                 <a:noFill/>
               </a:ln>
@@ -3679,10 +3741,9 @@
           <a:p>
             <a:pPr lvl="0" algn="l" rtl="0"/>
             <a:r>
-              <a:rPr lang="de-DE" b="0" i="0" u="none" baseline="0" smtClean="0"/>
+              <a:rPr lang="de-DE" b="0" i="0" u="none" baseline="0"/>
               <a:t>Formatvorlagen des Textmasters bearbeiten</a:t>
             </a:r>
-            <a:endParaRPr lang="de-DE" b="0" i="0" u="none" baseline="0" smtClean="0"/>
           </a:p>
         </p:txBody>
       </p:sp>
@@ -3729,39 +3790,35 @@
           <a:p>
             <a:pPr lvl="0" algn="l" rtl="0"/>
             <a:r>
-              <a:rPr lang="de-DE" b="0" i="0" u="none" baseline="0" smtClean="0"/>
+              <a:rPr lang="de-DE" b="0" i="0" u="none" baseline="0"/>
               <a:t>Formatvorlagen des Textmasters bearbeiten</a:t>
             </a:r>
-            <a:endParaRPr lang="de-DE" b="0" i="0" u="none" baseline="0" smtClean="0"/>
           </a:p>
           <a:p>
             <a:pPr lvl="1" algn="l" rtl="0"/>
             <a:r>
-              <a:rPr lang="de-DE" b="0" i="0" u="none" baseline="0" smtClean="0"/>
+              <a:rPr lang="de-DE" b="0" i="0" u="none" baseline="0"/>
               <a:t>Zweite Ebene</a:t>
             </a:r>
-            <a:endParaRPr lang="de-DE" b="0" i="0" u="none" baseline="0" smtClean="0"/>
           </a:p>
           <a:p>
             <a:pPr lvl="2" algn="l" rtl="0"/>
             <a:r>
-              <a:rPr lang="de-DE" b="0" i="0" u="none" baseline="0" smtClean="0"/>
+              <a:rPr lang="de-DE" b="0" i="0" u="none" baseline="0"/>
               <a:t>Dritte Ebene</a:t>
             </a:r>
-            <a:endParaRPr lang="de-DE" b="0" i="0" u="none" baseline="0" smtClean="0"/>
           </a:p>
           <a:p>
             <a:pPr lvl="3" algn="l" rtl="0"/>
             <a:r>
-              <a:rPr lang="de-DE" b="0" i="0" u="none" baseline="0" smtClean="0"/>
+              <a:rPr lang="de-DE" b="0" i="0" u="none" baseline="0"/>
               <a:t>Vierte Ebene</a:t>
             </a:r>
-            <a:endParaRPr lang="de-DE" b="0" i="0" u="none" baseline="0" smtClean="0"/>
           </a:p>
           <a:p>
             <a:pPr lvl="4" algn="l" rtl="0"/>
             <a:r>
-              <a:rPr lang="de-DE" b="0" i="0" u="none" baseline="0" smtClean="0"/>
+              <a:rPr lang="de-DE" b="0" i="0" u="none" baseline="0"/>
               <a:t>Fünfte Ebene</a:t>
             </a:r>
             <a:endParaRPr lang="en-GB" dirty="0"/>
@@ -3800,10 +3857,9 @@
           <a:p>
             <a:pPr lvl="0" algn="l" rtl="0"/>
             <a:r>
-              <a:rPr lang="de-DE" b="0" i="0" u="none" baseline="0" smtClean="0"/>
+              <a:rPr lang="de-DE" b="0" i="0" u="none" baseline="0"/>
               <a:t>Formatvorlagen des Textmasters bearbeiten</a:t>
             </a:r>
-            <a:endParaRPr lang="de-DE" b="0" i="0" u="none" baseline="0" smtClean="0"/>
           </a:p>
         </p:txBody>
       </p:sp>
@@ -3889,18 +3945,11 @@
   <p:clrMapOvr>
     <a:masterClrMapping/>
   </p:clrMapOvr>
-  <p:timing>
-    <p:tnLst>
-      <p:par>
-        <p:cTn id="1" dur="indefinite" restart="never" nodeType="tmRoot"/>
-      </p:par>
-    </p:tnLst>
-  </p:timing>
 </p:sldLayout>
 </file>
 
 <file path=ppt/slideLayouts/slideLayout15.xml><?xml version="1.0" encoding="utf-8"?>
-<p:sldLayout xmlns:a="http://schemas.openxmlformats.org/drawingml/2006/main" xmlns:r="http://schemas.openxmlformats.org/officeDocument/2006/relationships" xmlns:p="http://schemas.openxmlformats.org/presentationml/2006/main" preserve="1" showMasterSp="0" userDrawn="1">
+<p:sldLayout xmlns:a="http://schemas.openxmlformats.org/drawingml/2006/main" xmlns:r="http://schemas.openxmlformats.org/officeDocument/2006/relationships" xmlns:p="http://schemas.openxmlformats.org/presentationml/2006/main" showMasterSp="0" preserve="1" userDrawn="1">
   <p:cSld name="Bilder vollflächig">
     <p:spTree>
       <p:nvGrpSpPr>
@@ -3982,6 +4031,7 @@
             <a:pPr algn="l" rtl="0"/>
             <a:fld id="{78742581-81B1-425F-B25E-3CD197136A05}" type="slidenum">
               <a:rPr/>
+              <a:t>‹#›</a:t>
             </a:fld>
             <a:endParaRPr lang="en-GB" dirty="0"/>
           </a:p>
@@ -4023,7 +4073,7 @@
           <a:p>
             <a:pPr algn="l" rtl="0"/>
             <a:r>
-              <a:rPr lang="de-DE" b="0" i="1" u="none" baseline="0" smtClean="0"/>
+              <a:rPr lang="de-DE" b="0" i="1" u="none" baseline="0"/>
               <a:t>Titelmasterformat durch Klicken bearbeiten</a:t>
             </a:r>
             <a:endParaRPr lang="en-GB" dirty="0"/>
@@ -4107,7 +4157,7 @@
           <a:p>
             <a:pPr algn="l" rtl="0"/>
             <a:r>
-              <a:rPr lang="de-DE" b="0" i="0" u="none" baseline="0" smtClean="0"/>
+              <a:rPr lang="de-DE" b="0" i="0" u="none" baseline="0"/>
               <a:t>Bild durch Klicken auf Symbol hinzufügen</a:t>
             </a:r>
             <a:endParaRPr lang="en-GB" dirty="0"/>
@@ -4196,18 +4246,11 @@
   <p:clrMapOvr>
     <a:masterClrMapping/>
   </p:clrMapOvr>
-  <p:timing>
-    <p:tnLst>
-      <p:par>
-        <p:cTn id="1" dur="indefinite" restart="never" nodeType="tmRoot"/>
-      </p:par>
-    </p:tnLst>
-  </p:timing>
 </p:sldLayout>
 </file>
 
 <file path=ppt/slideLayouts/slideLayout16.xml><?xml version="1.0" encoding="utf-8"?>
-<p:sldLayout xmlns:a="http://schemas.openxmlformats.org/drawingml/2006/main" xmlns:r="http://schemas.openxmlformats.org/officeDocument/2006/relationships" xmlns:p="http://schemas.openxmlformats.org/presentationml/2006/main" preserve="1" showMasterSp="0" userDrawn="1">
+<p:sldLayout xmlns:a="http://schemas.openxmlformats.org/drawingml/2006/main" xmlns:r="http://schemas.openxmlformats.org/officeDocument/2006/relationships" xmlns:p="http://schemas.openxmlformats.org/presentationml/2006/main" showMasterSp="0" preserve="1" userDrawn="1">
   <p:cSld name="Bildcollage Variante1">
     <p:spTree>
       <p:nvGrpSpPr>
@@ -4289,6 +4332,7 @@
             <a:pPr algn="l" rtl="0"/>
             <a:fld id="{78742581-81B1-425F-B25E-3CD197136A05}" type="slidenum">
               <a:rPr/>
+              <a:t>‹#›</a:t>
             </a:fld>
             <a:endParaRPr lang="en-GB" dirty="0"/>
           </a:p>
@@ -4330,7 +4374,7 @@
           <a:p>
             <a:pPr algn="l" rtl="0"/>
             <a:r>
-              <a:rPr lang="de-DE" b="0" i="1" u="none" baseline="0" smtClean="0"/>
+              <a:rPr lang="de-DE" b="0" i="1" u="none" baseline="0"/>
               <a:t>Titelmasterformat durch Klicken bearbeiten</a:t>
             </a:r>
             <a:endParaRPr lang="en-GB" dirty="0"/>
@@ -4414,7 +4458,7 @@
           <a:p>
             <a:pPr algn="l" rtl="0"/>
             <a:r>
-              <a:rPr lang="de-DE" b="0" i="0" u="none" baseline="0" smtClean="0"/>
+              <a:rPr lang="de-DE" b="0" i="0" u="none" baseline="0"/>
               <a:t>Bild durch Klicken auf Symbol hinzufügen</a:t>
             </a:r>
             <a:endParaRPr lang="en-GB" dirty="0"/>
@@ -4451,7 +4495,7 @@
           <a:p>
             <a:pPr algn="l" rtl="0"/>
             <a:r>
-              <a:rPr lang="de-DE" b="0" i="0" u="none" baseline="0" smtClean="0"/>
+              <a:rPr lang="de-DE" b="0" i="0" u="none" baseline="0"/>
               <a:t>Bild durch Klicken auf Symbol hinzufügen</a:t>
             </a:r>
             <a:endParaRPr lang="en-GB" dirty="0"/>
@@ -4488,7 +4532,7 @@
           <a:p>
             <a:pPr algn="l" rtl="0"/>
             <a:r>
-              <a:rPr lang="de-DE" b="0" i="0" u="none" baseline="0" smtClean="0"/>
+              <a:rPr lang="de-DE" b="0" i="0" u="none" baseline="0"/>
               <a:t>Bild durch Klicken auf Symbol hinzufügen</a:t>
             </a:r>
             <a:endParaRPr lang="en-GB" dirty="0"/>
@@ -4577,18 +4621,11 @@
   <p:clrMapOvr>
     <a:masterClrMapping/>
   </p:clrMapOvr>
-  <p:timing>
-    <p:tnLst>
-      <p:par>
-        <p:cTn id="1" dur="indefinite" restart="never" nodeType="tmRoot"/>
-      </p:par>
-    </p:tnLst>
-  </p:timing>
 </p:sldLayout>
 </file>
 
 <file path=ppt/slideLayouts/slideLayout17.xml><?xml version="1.0" encoding="utf-8"?>
-<p:sldLayout xmlns:a="http://schemas.openxmlformats.org/drawingml/2006/main" xmlns:r="http://schemas.openxmlformats.org/officeDocument/2006/relationships" xmlns:p="http://schemas.openxmlformats.org/presentationml/2006/main" preserve="1" showMasterSp="0" userDrawn="1">
+<p:sldLayout xmlns:a="http://schemas.openxmlformats.org/drawingml/2006/main" xmlns:r="http://schemas.openxmlformats.org/officeDocument/2006/relationships" xmlns:p="http://schemas.openxmlformats.org/presentationml/2006/main" showMasterSp="0" preserve="1" userDrawn="1">
   <p:cSld name="Bildcollage Variante 3">
     <p:spTree>
       <p:nvGrpSpPr>
@@ -4670,6 +4707,7 @@
             <a:pPr algn="l" rtl="0"/>
             <a:fld id="{78742581-81B1-425F-B25E-3CD197136A05}" type="slidenum">
               <a:rPr/>
+              <a:t>‹#›</a:t>
             </a:fld>
             <a:endParaRPr lang="en-GB" dirty="0"/>
           </a:p>
@@ -4711,7 +4749,7 @@
           <a:p>
             <a:pPr algn="l" rtl="0"/>
             <a:r>
-              <a:rPr lang="de-DE" b="0" i="1" u="none" baseline="0" smtClean="0"/>
+              <a:rPr lang="de-DE" b="0" i="1" u="none" baseline="0"/>
               <a:t>Titelmasterformat durch Klicken bearbeiten</a:t>
             </a:r>
             <a:endParaRPr lang="en-GB" dirty="0"/>
@@ -4795,7 +4833,7 @@
           <a:p>
             <a:pPr algn="l" rtl="0"/>
             <a:r>
-              <a:rPr lang="de-DE" b="0" i="0" u="none" baseline="0" smtClean="0"/>
+              <a:rPr lang="de-DE" b="0" i="0" u="none" baseline="0"/>
               <a:t>Bild durch Klicken auf Symbol hinzufügen</a:t>
             </a:r>
             <a:endParaRPr lang="en-GB" dirty="0"/>
@@ -4832,7 +4870,7 @@
           <a:p>
             <a:pPr algn="l" rtl="0"/>
             <a:r>
-              <a:rPr lang="de-DE" b="0" i="0" u="none" baseline="0" smtClean="0"/>
+              <a:rPr lang="de-DE" b="0" i="0" u="none" baseline="0"/>
               <a:t>Bild durch Klicken auf Symbol hinzufügen</a:t>
             </a:r>
             <a:endParaRPr lang="en-GB" dirty="0"/>
@@ -4869,7 +4907,7 @@
           <a:p>
             <a:pPr algn="l" rtl="0"/>
             <a:r>
-              <a:rPr lang="de-DE" b="0" i="0" u="none" baseline="0" smtClean="0"/>
+              <a:rPr lang="de-DE" b="0" i="0" u="none" baseline="0"/>
               <a:t>Bild durch Klicken auf Symbol hinzufügen</a:t>
             </a:r>
             <a:endParaRPr lang="en-GB" dirty="0"/>
@@ -4906,7 +4944,7 @@
           <a:p>
             <a:pPr algn="l" rtl="0"/>
             <a:r>
-              <a:rPr lang="de-DE" b="0" i="0" u="none" baseline="0" smtClean="0"/>
+              <a:rPr lang="de-DE" b="0" i="0" u="none" baseline="0"/>
               <a:t>Bild durch Klicken auf Symbol hinzufügen</a:t>
             </a:r>
             <a:endParaRPr lang="en-GB" dirty="0"/>
@@ -4995,18 +5033,11 @@
   <p:clrMapOvr>
     <a:masterClrMapping/>
   </p:clrMapOvr>
-  <p:timing>
-    <p:tnLst>
-      <p:par>
-        <p:cTn id="1" dur="indefinite" restart="never" nodeType="tmRoot"/>
-      </p:par>
-    </p:tnLst>
-  </p:timing>
 </p:sldLayout>
 </file>
 
 <file path=ppt/slideLayouts/slideLayout18.xml><?xml version="1.0" encoding="utf-8"?>
-<p:sldLayout xmlns:a="http://schemas.openxmlformats.org/drawingml/2006/main" xmlns:r="http://schemas.openxmlformats.org/officeDocument/2006/relationships" xmlns:p="http://schemas.openxmlformats.org/presentationml/2006/main" preserve="1" showMasterSp="0" userDrawn="1">
+<p:sldLayout xmlns:a="http://schemas.openxmlformats.org/drawingml/2006/main" xmlns:r="http://schemas.openxmlformats.org/officeDocument/2006/relationships" xmlns:p="http://schemas.openxmlformats.org/presentationml/2006/main" showMasterSp="0" preserve="1" userDrawn="1">
   <p:cSld name="Bildcollage Variante 2">
     <p:spTree>
       <p:nvGrpSpPr>
@@ -5088,6 +5119,7 @@
             <a:pPr algn="l" rtl="0"/>
             <a:fld id="{78742581-81B1-425F-B25E-3CD197136A05}" type="slidenum">
               <a:rPr/>
+              <a:t>‹#›</a:t>
             </a:fld>
             <a:endParaRPr lang="en-GB" dirty="0"/>
           </a:p>
@@ -5129,7 +5161,7 @@
           <a:p>
             <a:pPr algn="l" rtl="0"/>
             <a:r>
-              <a:rPr lang="de-DE" b="0" i="1" u="none" baseline="0" smtClean="0"/>
+              <a:rPr lang="de-DE" b="0" i="1" u="none" baseline="0"/>
               <a:t>Titelmasterformat durch Klicken bearbeiten</a:t>
             </a:r>
             <a:endParaRPr lang="en-GB" dirty="0"/>
@@ -5213,7 +5245,7 @@
           <a:p>
             <a:pPr algn="l" rtl="0"/>
             <a:r>
-              <a:rPr lang="de-DE" b="0" i="0" u="none" baseline="0" smtClean="0"/>
+              <a:rPr lang="de-DE" b="0" i="0" u="none" baseline="0"/>
               <a:t>Bild durch Klicken auf Symbol hinzufügen</a:t>
             </a:r>
             <a:endParaRPr lang="en-GB" dirty="0"/>
@@ -5250,7 +5282,7 @@
           <a:p>
             <a:pPr algn="l" rtl="0"/>
             <a:r>
-              <a:rPr lang="de-DE" b="0" i="0" u="none" baseline="0" smtClean="0"/>
+              <a:rPr lang="de-DE" b="0" i="0" u="none" baseline="0"/>
               <a:t>Bild durch Klicken auf Symbol hinzufügen</a:t>
             </a:r>
             <a:endParaRPr lang="en-GB" dirty="0"/>
@@ -5287,7 +5319,7 @@
           <a:p>
             <a:pPr algn="l" rtl="0"/>
             <a:r>
-              <a:rPr lang="de-DE" b="0" i="0" u="none" baseline="0" smtClean="0"/>
+              <a:rPr lang="de-DE" b="0" i="0" u="none" baseline="0"/>
               <a:t>Bild durch Klicken auf Symbol hinzufügen</a:t>
             </a:r>
             <a:endParaRPr lang="en-GB" dirty="0"/>
@@ -5376,18 +5408,11 @@
   <p:clrMapOvr>
     <a:masterClrMapping/>
   </p:clrMapOvr>
-  <p:timing>
-    <p:tnLst>
-      <p:par>
-        <p:cTn id="1" dur="indefinite" restart="never" nodeType="tmRoot"/>
-      </p:par>
-    </p:tnLst>
-  </p:timing>
 </p:sldLayout>
 </file>
 
 <file path=ppt/slideLayouts/slideLayout19.xml><?xml version="1.0" encoding="utf-8"?>
-<p:sldLayout xmlns:a="http://schemas.openxmlformats.org/drawingml/2006/main" xmlns:r="http://schemas.openxmlformats.org/officeDocument/2006/relationships" xmlns:p="http://schemas.openxmlformats.org/presentationml/2006/main" preserve="1" showMasterSp="0" userDrawn="1">
+<p:sldLayout xmlns:a="http://schemas.openxmlformats.org/drawingml/2006/main" xmlns:r="http://schemas.openxmlformats.org/officeDocument/2006/relationships" xmlns:p="http://schemas.openxmlformats.org/presentationml/2006/main" showMasterSp="0" preserve="1" userDrawn="1">
   <p:cSld name="Bildcollage Variante 4">
     <p:spTree>
       <p:nvGrpSpPr>
@@ -5469,6 +5494,7 @@
             <a:pPr algn="l" rtl="0"/>
             <a:fld id="{78742581-81B1-425F-B25E-3CD197136A05}" type="slidenum">
               <a:rPr/>
+              <a:t>‹#›</a:t>
             </a:fld>
             <a:endParaRPr lang="en-GB" dirty="0"/>
           </a:p>
@@ -5510,7 +5536,7 @@
           <a:p>
             <a:pPr algn="l" rtl="0"/>
             <a:r>
-              <a:rPr lang="de-DE" b="0" i="1" u="none" baseline="0" smtClean="0"/>
+              <a:rPr lang="de-DE" b="0" i="1" u="none" baseline="0"/>
               <a:t>Titelmasterformat durch Klicken bearbeiten</a:t>
             </a:r>
             <a:endParaRPr lang="en-GB" dirty="0"/>
@@ -5594,7 +5620,7 @@
           <a:p>
             <a:pPr algn="l" rtl="0"/>
             <a:r>
-              <a:rPr lang="de-DE" b="0" i="0" u="none" baseline="0" smtClean="0"/>
+              <a:rPr lang="de-DE" b="0" i="0" u="none" baseline="0"/>
               <a:t>Bild durch Klicken auf Symbol hinzufügen</a:t>
             </a:r>
             <a:endParaRPr lang="en-GB" dirty="0"/>
@@ -5631,7 +5657,7 @@
           <a:p>
             <a:pPr algn="l" rtl="0"/>
             <a:r>
-              <a:rPr lang="de-DE" b="0" i="0" u="none" baseline="0" smtClean="0"/>
+              <a:rPr lang="de-DE" b="0" i="0" u="none" baseline="0"/>
               <a:t>Bild durch Klicken auf Symbol hinzufügen</a:t>
             </a:r>
             <a:endParaRPr lang="en-GB" dirty="0"/>
@@ -5668,7 +5694,7 @@
           <a:p>
             <a:pPr algn="l" rtl="0"/>
             <a:r>
-              <a:rPr lang="de-DE" b="0" i="0" u="none" baseline="0" smtClean="0"/>
+              <a:rPr lang="de-DE" b="0" i="0" u="none" baseline="0"/>
               <a:t>Bild durch Klicken auf Symbol hinzufügen</a:t>
             </a:r>
             <a:endParaRPr lang="en-GB" dirty="0"/>
@@ -5705,7 +5731,7 @@
           <a:p>
             <a:pPr algn="l" rtl="0"/>
             <a:r>
-              <a:rPr lang="de-DE" b="0" i="0" u="none" baseline="0" smtClean="0"/>
+              <a:rPr lang="de-DE" b="0" i="0" u="none" baseline="0"/>
               <a:t>Bild durch Klicken auf Symbol hinzufügen</a:t>
             </a:r>
             <a:endParaRPr lang="en-GB" dirty="0"/>
@@ -5794,18 +5820,11 @@
   <p:clrMapOvr>
     <a:masterClrMapping/>
   </p:clrMapOvr>
-  <p:timing>
-    <p:tnLst>
-      <p:par>
-        <p:cTn id="1" dur="indefinite" restart="never" nodeType="tmRoot"/>
-      </p:par>
-    </p:tnLst>
-  </p:timing>
 </p:sldLayout>
 </file>
 
 <file path=ppt/slideLayouts/slideLayout2.xml><?xml version="1.0" encoding="utf-8"?>
-<p:sldLayout xmlns:a="http://schemas.openxmlformats.org/drawingml/2006/main" xmlns:r="http://schemas.openxmlformats.org/officeDocument/2006/relationships" xmlns:p="http://schemas.openxmlformats.org/presentationml/2006/main" preserve="1" showMasterSp="0" userDrawn="1">
+<p:sldLayout xmlns:a="http://schemas.openxmlformats.org/drawingml/2006/main" xmlns:r="http://schemas.openxmlformats.org/officeDocument/2006/relationships" xmlns:p="http://schemas.openxmlformats.org/presentationml/2006/main" showMasterSp="0" preserve="1" userDrawn="1">
   <p:cSld name="Grunddesign leer">
     <p:spTree>
       <p:nvGrpSpPr>
@@ -5887,6 +5906,7 @@
             <a:pPr algn="l" rtl="0"/>
             <a:fld id="{78742581-81B1-425F-B25E-3CD197136A05}" type="slidenum">
               <a:rPr/>
+              <a:t>‹#›</a:t>
             </a:fld>
             <a:endParaRPr lang="en-GB" dirty="0"/>
           </a:p>
@@ -5928,7 +5948,7 @@
           <a:p>
             <a:pPr algn="l" rtl="0"/>
             <a:r>
-              <a:rPr lang="de-DE" b="0" i="1" u="none" baseline="0" smtClean="0"/>
+              <a:rPr lang="de-DE" b="0" i="1" u="none" baseline="0"/>
               <a:t>Titelmasterformat durch Klicken bearbeiten</a:t>
             </a:r>
             <a:endParaRPr lang="en-GB" dirty="0"/>
@@ -6051,39 +6071,35 @@
           <a:p>
             <a:pPr lvl="0" algn="l" rtl="0"/>
             <a:r>
-              <a:rPr lang="de-DE" b="0" i="0" u="none" baseline="0" smtClean="0"/>
+              <a:rPr lang="de-DE" b="0" i="0" u="none" baseline="0"/>
               <a:t>Formatvorlagen des Textmasters bearbeiten</a:t>
             </a:r>
-            <a:endParaRPr lang="de-DE" b="0" i="0" u="none" baseline="0" smtClean="0"/>
           </a:p>
           <a:p>
             <a:pPr lvl="1" algn="l" rtl="0"/>
             <a:r>
-              <a:rPr lang="de-DE" b="0" i="0" u="none" baseline="0" smtClean="0"/>
+              <a:rPr lang="de-DE" b="0" i="0" u="none" baseline="0"/>
               <a:t>Zweite Ebene</a:t>
             </a:r>
-            <a:endParaRPr lang="de-DE" b="0" i="0" u="none" baseline="0" smtClean="0"/>
           </a:p>
           <a:p>
             <a:pPr lvl="2" algn="l" rtl="0"/>
             <a:r>
-              <a:rPr lang="de-DE" b="0" i="0" u="none" baseline="0" smtClean="0"/>
+              <a:rPr lang="de-DE" b="0" i="0" u="none" baseline="0"/>
               <a:t>Dritte Ebene</a:t>
             </a:r>
-            <a:endParaRPr lang="de-DE" b="0" i="0" u="none" baseline="0" smtClean="0"/>
           </a:p>
           <a:p>
             <a:pPr lvl="3" algn="l" rtl="0"/>
             <a:r>
-              <a:rPr lang="de-DE" b="0" i="0" u="none" baseline="0" smtClean="0"/>
+              <a:rPr lang="de-DE" b="0" i="0" u="none" baseline="0"/>
               <a:t>Vierte Ebene</a:t>
             </a:r>
-            <a:endParaRPr lang="de-DE" b="0" i="0" u="none" baseline="0" smtClean="0"/>
           </a:p>
           <a:p>
             <a:pPr lvl="4" algn="l" rtl="0"/>
             <a:r>
-              <a:rPr lang="de-DE" b="0" i="0" u="none" baseline="0" smtClean="0"/>
+              <a:rPr lang="de-DE" b="0" i="0" u="none" baseline="0"/>
               <a:t>Fünfte Ebene</a:t>
             </a:r>
             <a:endParaRPr lang="en-GB" dirty="0"/>
@@ -6172,18 +6188,11 @@
   <p:clrMapOvr>
     <a:masterClrMapping/>
   </p:clrMapOvr>
-  <p:timing>
-    <p:tnLst>
-      <p:par>
-        <p:cTn id="1" dur="indefinite" restart="never" nodeType="tmRoot"/>
-      </p:par>
-    </p:tnLst>
-  </p:timing>
 </p:sldLayout>
 </file>
 
 <file path=ppt/slideLayouts/slideLayout20.xml><?xml version="1.0" encoding="utf-8"?>
-<p:sldLayout xmlns:a="http://schemas.openxmlformats.org/drawingml/2006/main" xmlns:r="http://schemas.openxmlformats.org/officeDocument/2006/relationships" xmlns:p="http://schemas.openxmlformats.org/presentationml/2006/main" preserve="1" showMasterSp="0" userDrawn="1">
+<p:sldLayout xmlns:a="http://schemas.openxmlformats.org/drawingml/2006/main" xmlns:r="http://schemas.openxmlformats.org/officeDocument/2006/relationships" xmlns:p="http://schemas.openxmlformats.org/presentationml/2006/main" showMasterSp="0" preserve="1" userDrawn="1">
   <p:cSld name="Bildcollage mit Text">
     <p:spTree>
       <p:nvGrpSpPr>
@@ -6265,6 +6274,7 @@
             <a:pPr algn="l" rtl="0"/>
             <a:fld id="{78742581-81B1-425F-B25E-3CD197136A05}" type="slidenum">
               <a:rPr/>
+              <a:t>‹#›</a:t>
             </a:fld>
             <a:endParaRPr lang="en-GB" dirty="0"/>
           </a:p>
@@ -6306,7 +6316,7 @@
           <a:p>
             <a:pPr algn="l" rtl="0"/>
             <a:r>
-              <a:rPr lang="de-DE" b="0" i="1" u="none" baseline="0" smtClean="0"/>
+              <a:rPr lang="de-DE" b="0" i="1" u="none" baseline="0"/>
               <a:t>Titelmasterformat durch Klicken bearbeiten</a:t>
             </a:r>
             <a:endParaRPr lang="en-GB" dirty="0"/>
@@ -6405,7 +6415,7 @@
               <a:buFontTx/>
               <a:buNone/>
             </a:pPr>
-            <a:endParaRPr kumimoji="0" lang="en-GB" sz="1800" b="0" i="0" u="none" strike="noStrike" cap="none" normalizeH="0" baseline="0" smtClean="0">
+            <a:endParaRPr kumimoji="0" lang="en-GB" sz="1800" b="0" i="0" u="none" strike="noStrike" cap="none" normalizeH="0" baseline="0">
               <a:ln>
                 <a:noFill/>
               </a:ln>
@@ -6455,26 +6465,23 @@
           <a:p>
             <a:pPr lvl="0" algn="l" rtl="0"/>
             <a:r>
-              <a:rPr lang="de-DE" b="0" i="0" u="none" baseline="0" smtClean="0"/>
+              <a:rPr lang="de-DE" b="0" i="0" u="none" baseline="0"/>
               <a:t>Formatvorlagen des Textmasters bearbeiten</a:t>
             </a:r>
-            <a:endParaRPr lang="de-DE" b="0" i="0" u="none" baseline="0" smtClean="0"/>
           </a:p>
           <a:p>
             <a:pPr lvl="1" algn="l" rtl="0"/>
             <a:r>
-              <a:rPr lang="de-DE" b="0" i="0" u="none" baseline="0" smtClean="0"/>
+              <a:rPr lang="de-DE" b="0" i="0" u="none" baseline="0"/>
               <a:t>Zweite Ebene</a:t>
             </a:r>
-            <a:endParaRPr lang="de-DE" b="0" i="0" u="none" baseline="0" smtClean="0"/>
           </a:p>
           <a:p>
             <a:pPr lvl="2" algn="l" rtl="0"/>
             <a:r>
-              <a:rPr lang="de-DE" b="0" i="0" u="none" baseline="0" smtClean="0"/>
+              <a:rPr lang="de-DE" b="0" i="0" u="none" baseline="0"/>
               <a:t>Dritte Ebene</a:t>
             </a:r>
-            <a:endParaRPr lang="de-DE" b="0" i="0" u="none" baseline="0" smtClean="0"/>
           </a:p>
         </p:txBody>
       </p:sp>
@@ -6508,7 +6515,7 @@
           <a:p>
             <a:pPr algn="l" rtl="0"/>
             <a:r>
-              <a:rPr lang="de-DE" b="0" i="0" u="none" baseline="0" smtClean="0"/>
+              <a:rPr lang="de-DE" b="0" i="0" u="none" baseline="0"/>
               <a:t>Bild durch Klicken auf Symbol hinzufügen</a:t>
             </a:r>
             <a:endParaRPr lang="en-GB" dirty="0"/>
@@ -6545,7 +6552,7 @@
           <a:p>
             <a:pPr algn="l" rtl="0"/>
             <a:r>
-              <a:rPr lang="de-DE" b="0" i="0" u="none" baseline="0" smtClean="0"/>
+              <a:rPr lang="de-DE" b="0" i="0" u="none" baseline="0"/>
               <a:t>Bild durch Klicken auf Symbol hinzufügen</a:t>
             </a:r>
             <a:endParaRPr lang="en-GB" dirty="0"/>
@@ -6634,18 +6641,11 @@
   <p:clrMapOvr>
     <a:masterClrMapping/>
   </p:clrMapOvr>
-  <p:timing>
-    <p:tnLst>
-      <p:par>
-        <p:cTn id="1" dur="indefinite" restart="never" nodeType="tmRoot"/>
-      </p:par>
-    </p:tnLst>
-  </p:timing>
 </p:sldLayout>
 </file>
 
 <file path=ppt/slideLayouts/slideLayout21.xml><?xml version="1.0" encoding="utf-8"?>
-<p:sldLayout xmlns:a="http://schemas.openxmlformats.org/drawingml/2006/main" xmlns:r="http://schemas.openxmlformats.org/officeDocument/2006/relationships" xmlns:p="http://schemas.openxmlformats.org/presentationml/2006/main" preserve="1" showMasterSp="0" userDrawn="1">
+<p:sldLayout xmlns:a="http://schemas.openxmlformats.org/drawingml/2006/main" xmlns:r="http://schemas.openxmlformats.org/officeDocument/2006/relationships" xmlns:p="http://schemas.openxmlformats.org/presentationml/2006/main" showMasterSp="0" preserve="1" userDrawn="1">
   <p:cSld name="Bildcollage Variante 5">
     <p:spTree>
       <p:nvGrpSpPr>
@@ -6727,6 +6727,7 @@
             <a:pPr algn="l" rtl="0"/>
             <a:fld id="{78742581-81B1-425F-B25E-3CD197136A05}" type="slidenum">
               <a:rPr/>
+              <a:t>‹#›</a:t>
             </a:fld>
             <a:endParaRPr lang="en-GB" dirty="0"/>
           </a:p>
@@ -6768,7 +6769,7 @@
           <a:p>
             <a:pPr algn="l" rtl="0"/>
             <a:r>
-              <a:rPr lang="de-DE" b="0" i="1" u="none" baseline="0" smtClean="0"/>
+              <a:rPr lang="de-DE" b="0" i="1" u="none" baseline="0"/>
               <a:t>Titelmasterformat durch Klicken bearbeiten</a:t>
             </a:r>
             <a:endParaRPr lang="en-GB" dirty="0"/>
@@ -6852,7 +6853,7 @@
           <a:p>
             <a:pPr algn="l" rtl="0"/>
             <a:r>
-              <a:rPr lang="de-DE" b="0" i="0" u="none" baseline="0" smtClean="0"/>
+              <a:rPr lang="de-DE" b="0" i="0" u="none" baseline="0"/>
               <a:t>Bild durch Klicken auf Symbol hinzufügen</a:t>
             </a:r>
             <a:endParaRPr lang="en-GB" dirty="0"/>
@@ -6889,7 +6890,7 @@
           <a:p>
             <a:pPr algn="l" rtl="0"/>
             <a:r>
-              <a:rPr lang="de-DE" b="0" i="0" u="none" baseline="0" smtClean="0"/>
+              <a:rPr lang="de-DE" b="0" i="0" u="none" baseline="0"/>
               <a:t>Bild durch Klicken auf Symbol hinzufügen</a:t>
             </a:r>
             <a:endParaRPr lang="en-GB" dirty="0"/>
@@ -6926,7 +6927,7 @@
           <a:p>
             <a:pPr algn="l" rtl="0"/>
             <a:r>
-              <a:rPr lang="de-DE" b="0" i="0" u="none" baseline="0" smtClean="0"/>
+              <a:rPr lang="de-DE" b="0" i="0" u="none" baseline="0"/>
               <a:t>Bild durch Klicken auf Symbol hinzufügen</a:t>
             </a:r>
             <a:endParaRPr lang="en-GB" dirty="0"/>
@@ -6963,7 +6964,7 @@
           <a:p>
             <a:pPr algn="l" rtl="0"/>
             <a:r>
-              <a:rPr lang="de-DE" b="0" i="0" u="none" baseline="0" smtClean="0"/>
+              <a:rPr lang="de-DE" b="0" i="0" u="none" baseline="0"/>
               <a:t>Bild durch Klicken auf Symbol hinzufügen</a:t>
             </a:r>
             <a:endParaRPr lang="en-GB" dirty="0"/>
@@ -7052,18 +7053,11 @@
   <p:clrMapOvr>
     <a:masterClrMapping/>
   </p:clrMapOvr>
-  <p:timing>
-    <p:tnLst>
-      <p:par>
-        <p:cTn id="1" dur="indefinite" restart="never" nodeType="tmRoot"/>
-      </p:par>
-    </p:tnLst>
-  </p:timing>
 </p:sldLayout>
 </file>
 
 <file path=ppt/slideLayouts/slideLayout3.xml><?xml version="1.0" encoding="utf-8"?>
-<p:sldLayout xmlns:a="http://schemas.openxmlformats.org/drawingml/2006/main" xmlns:r="http://schemas.openxmlformats.org/officeDocument/2006/relationships" xmlns:p="http://schemas.openxmlformats.org/presentationml/2006/main" preserve="1" showMasterSp="0" userDrawn="1">
+<p:sldLayout xmlns:a="http://schemas.openxmlformats.org/drawingml/2006/main" xmlns:r="http://schemas.openxmlformats.org/officeDocument/2006/relationships" xmlns:p="http://schemas.openxmlformats.org/presentationml/2006/main" showMasterSp="0" preserve="1" userDrawn="1">
   <p:cSld name="Bild links - grau hinterlegt">
     <p:spTree>
       <p:nvGrpSpPr>
@@ -7145,6 +7139,7 @@
             <a:pPr algn="l" rtl="0"/>
             <a:fld id="{84D35198-83BD-4EE2-9365-F2FE7479717F}" type="slidenum">
               <a:rPr/>
+              <a:t>‹#›</a:t>
             </a:fld>
             <a:endParaRPr lang="en-GB" dirty="0"/>
           </a:p>
@@ -7186,7 +7181,7 @@
           <a:p>
             <a:pPr algn="l" rtl="0"/>
             <a:r>
-              <a:rPr lang="de-DE" b="0" i="1" u="none" baseline="0" smtClean="0"/>
+              <a:rPr lang="de-DE" b="0" i="1" u="none" baseline="0"/>
               <a:t>Titelmasterformat durch Klicken bearbeiten</a:t>
             </a:r>
             <a:endParaRPr lang="en-GB" dirty="0"/>
@@ -7270,7 +7265,7 @@
           <a:p>
             <a:pPr algn="l" rtl="0"/>
             <a:r>
-              <a:rPr lang="de-DE" b="0" i="0" u="none" baseline="0" smtClean="0"/>
+              <a:rPr lang="de-DE" b="0" i="0" u="none" baseline="0"/>
               <a:t>Bild durch Klicken auf Symbol hinzufügen</a:t>
             </a:r>
             <a:endParaRPr lang="en-GB" dirty="0"/>
@@ -7322,7 +7317,7 @@
               <a:buFontTx/>
               <a:buNone/>
             </a:pPr>
-            <a:endParaRPr kumimoji="0" lang="en-GB" sz="1800" b="0" i="0" u="none" strike="noStrike" cap="none" normalizeH="0" baseline="0" smtClean="0">
+            <a:endParaRPr kumimoji="0" lang="en-GB" sz="1800" b="0" i="0" u="none" strike="noStrike" cap="none" normalizeH="0" baseline="0">
               <a:ln>
                 <a:noFill/>
               </a:ln>
@@ -7404,26 +7399,23 @@
           <a:p>
             <a:pPr lvl="0" algn="l" rtl="0"/>
             <a:r>
-              <a:rPr lang="de-DE" b="0" i="0" u="none" baseline="0" smtClean="0"/>
+              <a:rPr lang="de-DE" b="0" i="0" u="none" baseline="0"/>
               <a:t>Formatvorlagen des Textmasters bearbeiten</a:t>
             </a:r>
-            <a:endParaRPr lang="de-DE" b="0" i="0" u="none" baseline="0" smtClean="0"/>
           </a:p>
           <a:p>
             <a:pPr lvl="1" algn="l" rtl="0"/>
             <a:r>
-              <a:rPr lang="de-DE" b="0" i="0" u="none" baseline="0" smtClean="0"/>
+              <a:rPr lang="de-DE" b="0" i="0" u="none" baseline="0"/>
               <a:t>Zweite Ebene</a:t>
             </a:r>
-            <a:endParaRPr lang="de-DE" b="0" i="0" u="none" baseline="0" smtClean="0"/>
           </a:p>
           <a:p>
             <a:pPr lvl="2" algn="l" rtl="0"/>
             <a:r>
-              <a:rPr lang="de-DE" b="0" i="0" u="none" baseline="0" smtClean="0"/>
+              <a:rPr lang="de-DE" b="0" i="0" u="none" baseline="0"/>
               <a:t>Dritte Ebene</a:t>
             </a:r>
-            <a:endParaRPr lang="de-DE" b="0" i="0" u="none" baseline="0" smtClean="0"/>
           </a:p>
         </p:txBody>
       </p:sp>
@@ -7509,18 +7501,11 @@
   <p:clrMapOvr>
     <a:masterClrMapping/>
   </p:clrMapOvr>
-  <p:timing>
-    <p:tnLst>
-      <p:par>
-        <p:cTn id="1" dur="indefinite" restart="never" nodeType="tmRoot"/>
-      </p:par>
-    </p:tnLst>
-  </p:timing>
 </p:sldLayout>
 </file>
 
 <file path=ppt/slideLayouts/slideLayout4.xml><?xml version="1.0" encoding="utf-8"?>
-<p:sldLayout xmlns:a="http://schemas.openxmlformats.org/drawingml/2006/main" xmlns:r="http://schemas.openxmlformats.org/officeDocument/2006/relationships" xmlns:p="http://schemas.openxmlformats.org/presentationml/2006/main" preserve="1" showMasterSp="0" userDrawn="1">
+<p:sldLayout xmlns:a="http://schemas.openxmlformats.org/drawingml/2006/main" xmlns:r="http://schemas.openxmlformats.org/officeDocument/2006/relationships" xmlns:p="http://schemas.openxmlformats.org/presentationml/2006/main" showMasterSp="0" preserve="1" userDrawn="1">
   <p:cSld name="Bild rechts - grau hinterlegt">
     <p:spTree>
       <p:nvGrpSpPr>
@@ -7602,6 +7587,7 @@
             <a:pPr algn="l" rtl="0"/>
             <a:fld id="{78742581-81B1-425F-B25E-3CD197136A05}" type="slidenum">
               <a:rPr/>
+              <a:t>‹#›</a:t>
             </a:fld>
             <a:endParaRPr lang="en-GB" dirty="0"/>
           </a:p>
@@ -7643,7 +7629,7 @@
           <a:p>
             <a:pPr algn="l" rtl="0"/>
             <a:r>
-              <a:rPr lang="de-DE" b="0" i="1" u="none" baseline="0" smtClean="0"/>
+              <a:rPr lang="de-DE" b="0" i="1" u="none" baseline="0"/>
               <a:t>Titelmasterformat durch Klicken bearbeiten</a:t>
             </a:r>
             <a:endParaRPr lang="en-GB" dirty="0"/>
@@ -7744,7 +7730,7 @@
               <a:buFontTx/>
               <a:buNone/>
             </a:pPr>
-            <a:endParaRPr kumimoji="0" lang="en-GB" sz="1800" b="0" i="0" u="none" strike="noStrike" cap="none" normalizeH="0" baseline="0" smtClean="0">
+            <a:endParaRPr kumimoji="0" lang="en-GB" sz="1800" b="0" i="0" u="none" strike="noStrike" cap="none" normalizeH="0" baseline="0">
               <a:ln>
                 <a:noFill/>
               </a:ln>
@@ -7787,7 +7773,7 @@
           <a:p>
             <a:pPr algn="l" rtl="0"/>
             <a:r>
-              <a:rPr lang="de-DE" b="0" i="0" u="none" baseline="0" smtClean="0"/>
+              <a:rPr lang="de-DE" b="0" i="0" u="none" baseline="0"/>
               <a:t>Bild durch Klicken auf Symbol hinzufügen</a:t>
             </a:r>
             <a:endParaRPr lang="en-GB" dirty="0"/>
@@ -7863,26 +7849,23 @@
           <a:p>
             <a:pPr lvl="0" algn="l" rtl="0"/>
             <a:r>
-              <a:rPr lang="de-DE" b="0" i="0" u="none" baseline="0" smtClean="0"/>
+              <a:rPr lang="de-DE" b="0" i="0" u="none" baseline="0"/>
               <a:t>Formatvorlagen des Textmasters bearbeiten</a:t>
             </a:r>
-            <a:endParaRPr lang="de-DE" b="0" i="0" u="none" baseline="0" smtClean="0"/>
           </a:p>
           <a:p>
             <a:pPr lvl="1" algn="l" rtl="0"/>
             <a:r>
-              <a:rPr lang="de-DE" b="0" i="0" u="none" baseline="0" smtClean="0"/>
+              <a:rPr lang="de-DE" b="0" i="0" u="none" baseline="0"/>
               <a:t>Zweite Ebene</a:t>
             </a:r>
-            <a:endParaRPr lang="de-DE" b="0" i="0" u="none" baseline="0" smtClean="0"/>
           </a:p>
           <a:p>
             <a:pPr lvl="2" algn="l" rtl="0"/>
             <a:r>
-              <a:rPr lang="de-DE" b="0" i="0" u="none" baseline="0" smtClean="0"/>
+              <a:rPr lang="de-DE" b="0" i="0" u="none" baseline="0"/>
               <a:t>Dritte Ebene</a:t>
             </a:r>
-            <a:endParaRPr lang="de-DE" b="0" i="0" u="none" baseline="0" smtClean="0"/>
           </a:p>
         </p:txBody>
       </p:sp>
@@ -7968,18 +7951,11 @@
   <p:clrMapOvr>
     <a:masterClrMapping/>
   </p:clrMapOvr>
-  <p:timing>
-    <p:tnLst>
-      <p:par>
-        <p:cTn id="1" dur="indefinite" restart="never" nodeType="tmRoot"/>
-      </p:par>
-    </p:tnLst>
-  </p:timing>
 </p:sldLayout>
 </file>
 
 <file path=ppt/slideLayouts/slideLayout5.xml><?xml version="1.0" encoding="utf-8"?>
-<p:sldLayout xmlns:a="http://schemas.openxmlformats.org/drawingml/2006/main" xmlns:r="http://schemas.openxmlformats.org/officeDocument/2006/relationships" xmlns:p="http://schemas.openxmlformats.org/presentationml/2006/main" preserve="1" showMasterSp="0" userDrawn="1">
+<p:sldLayout xmlns:a="http://schemas.openxmlformats.org/drawingml/2006/main" xmlns:r="http://schemas.openxmlformats.org/officeDocument/2006/relationships" xmlns:p="http://schemas.openxmlformats.org/presentationml/2006/main" showMasterSp="0" preserve="1" userDrawn="1">
   <p:cSld name="Kontakt mit 3 Bildern">
     <p:spTree>
       <p:nvGrpSpPr>
@@ -8061,6 +8037,7 @@
             <a:pPr algn="l" rtl="0"/>
             <a:fld id="{78742581-81B1-425F-B25E-3CD197136A05}" type="slidenum">
               <a:rPr/>
+              <a:t>‹#›</a:t>
             </a:fld>
             <a:endParaRPr lang="en-GB" dirty="0"/>
           </a:p>
@@ -8102,7 +8079,7 @@
           <a:p>
             <a:pPr algn="l" rtl="0"/>
             <a:r>
-              <a:rPr lang="de-DE" b="0" i="1" u="none" baseline="0" smtClean="0"/>
+              <a:rPr lang="de-DE" b="0" i="1" u="none" baseline="0"/>
               <a:t>Titelmasterformat durch Klicken bearbeiten</a:t>
             </a:r>
             <a:endParaRPr lang="en-GB" dirty="0"/>
@@ -8201,7 +8178,7 @@
               <a:buFontTx/>
               <a:buNone/>
             </a:pPr>
-            <a:endParaRPr kumimoji="0" lang="en-GB" sz="1800" b="0" i="0" u="none" strike="noStrike" cap="none" normalizeH="0" baseline="0" smtClean="0">
+            <a:endParaRPr kumimoji="0" lang="en-GB" sz="1800" b="0" i="0" u="none" strike="noStrike" cap="none" normalizeH="0" baseline="0">
               <a:ln>
                 <a:noFill/>
               </a:ln>
@@ -8246,10 +8223,9 @@
           <a:p>
             <a:pPr lvl="0" algn="l" rtl="0"/>
             <a:r>
-              <a:rPr lang="de-DE" b="0" i="0" u="none" baseline="0" smtClean="0"/>
+              <a:rPr lang="de-DE" b="0" i="0" u="none" baseline="0"/>
               <a:t>Formatvorlagen des Textmasters bearbeiten</a:t>
             </a:r>
-            <a:endParaRPr lang="de-DE" b="0" i="0" u="none" baseline="0" smtClean="0"/>
           </a:p>
         </p:txBody>
       </p:sp>
@@ -8283,7 +8259,7 @@
           <a:p>
             <a:pPr algn="l" rtl="0"/>
             <a:r>
-              <a:rPr lang="de-DE" b="0" i="0" u="none" baseline="0" smtClean="0"/>
+              <a:rPr lang="de-DE" b="0" i="0" u="none" baseline="0"/>
               <a:t>Bild durch Klicken auf Symbol hinzufügen</a:t>
             </a:r>
             <a:endParaRPr lang="en-GB" dirty="0"/>
@@ -8360,18 +8336,16 @@
           <a:p>
             <a:pPr lvl="0" algn="l" rtl="0"/>
             <a:r>
-              <a:rPr lang="de-DE" b="0" i="0" u="none" baseline="0" smtClean="0"/>
+              <a:rPr lang="de-DE" b="0" i="0" u="none" baseline="0"/>
               <a:t>Formatvorlagen des Textmasters bearbeiten</a:t>
             </a:r>
-            <a:endParaRPr lang="de-DE" b="0" i="0" u="none" baseline="0" smtClean="0"/>
           </a:p>
           <a:p>
             <a:pPr lvl="1" algn="l" rtl="0"/>
             <a:r>
-              <a:rPr lang="de-DE" b="0" i="0" u="none" baseline="0" smtClean="0"/>
+              <a:rPr lang="de-DE" b="0" i="0" u="none" baseline="0"/>
               <a:t>Zweite Ebene</a:t>
             </a:r>
-            <a:endParaRPr lang="de-DE" b="0" i="0" u="none" baseline="0" smtClean="0"/>
           </a:p>
         </p:txBody>
       </p:sp>
@@ -8420,7 +8394,7 @@
               <a:buFontTx/>
               <a:buNone/>
             </a:pPr>
-            <a:endParaRPr kumimoji="0" lang="en-GB" sz="1800" b="0" i="0" u="none" strike="noStrike" cap="none" normalizeH="0" baseline="0" smtClean="0">
+            <a:endParaRPr kumimoji="0" lang="en-GB" sz="1800" b="0" i="0" u="none" strike="noStrike" cap="none" normalizeH="0" baseline="0">
               <a:ln>
                 <a:noFill/>
               </a:ln>
@@ -8532,18 +8506,16 @@
           <a:p>
             <a:pPr lvl="0" algn="l" rtl="0"/>
             <a:r>
-              <a:rPr lang="de-DE" b="0" i="0" u="none" baseline="0" smtClean="0"/>
+              <a:rPr lang="de-DE" b="0" i="0" u="none" baseline="0"/>
               <a:t>Formatvorlagen des Textmasters bearbeiten</a:t>
             </a:r>
-            <a:endParaRPr lang="de-DE" b="0" i="0" u="none" baseline="0" smtClean="0"/>
           </a:p>
           <a:p>
             <a:pPr lvl="1" algn="l" rtl="0"/>
             <a:r>
-              <a:rPr lang="de-DE" b="0" i="0" u="none" baseline="0" smtClean="0"/>
+              <a:rPr lang="de-DE" b="0" i="0" u="none" baseline="0"/>
               <a:t>Zweite Ebene</a:t>
             </a:r>
-            <a:endParaRPr lang="de-DE" b="0" i="0" u="none" baseline="0" smtClean="0"/>
           </a:p>
         </p:txBody>
       </p:sp>
@@ -8577,7 +8549,7 @@
           <a:p>
             <a:pPr algn="l" rtl="0"/>
             <a:r>
-              <a:rPr lang="de-DE" b="0" i="0" u="none" baseline="0" smtClean="0"/>
+              <a:rPr lang="de-DE" b="0" i="0" u="none" baseline="0"/>
               <a:t>Bild durch Klicken auf Symbol hinzufügen</a:t>
             </a:r>
             <a:endParaRPr lang="en-GB" dirty="0"/>
@@ -8629,7 +8601,7 @@
               <a:buFontTx/>
               <a:buNone/>
             </a:pPr>
-            <a:endParaRPr kumimoji="0" lang="en-GB" sz="1800" b="0" i="0" u="none" strike="noStrike" cap="none" normalizeH="0" baseline="0" smtClean="0">
+            <a:endParaRPr kumimoji="0" lang="en-GB" sz="1800" b="0" i="0" u="none" strike="noStrike" cap="none" normalizeH="0" baseline="0">
               <a:ln>
                 <a:noFill/>
               </a:ln>
@@ -8687,7 +8659,7 @@
               <a:buFontTx/>
               <a:buNone/>
             </a:pPr>
-            <a:endParaRPr kumimoji="0" lang="en-GB" sz="1800" b="0" i="0" u="none" strike="noStrike" cap="none" normalizeH="0" baseline="0" smtClean="0">
+            <a:endParaRPr kumimoji="0" lang="en-GB" sz="1800" b="0" i="0" u="none" strike="noStrike" cap="none" normalizeH="0" baseline="0">
               <a:ln>
                 <a:noFill/>
               </a:ln>
@@ -8730,7 +8702,7 @@
           <a:p>
             <a:pPr algn="l" rtl="0"/>
             <a:r>
-              <a:rPr lang="de-DE" b="0" i="0" u="none" baseline="0" smtClean="0"/>
+              <a:rPr lang="de-DE" b="0" i="0" u="none" baseline="0"/>
               <a:t>Bild durch Klicken auf Symbol hinzufügen</a:t>
             </a:r>
             <a:endParaRPr lang="en-GB" dirty="0"/>
@@ -8807,18 +8779,16 @@
           <a:p>
             <a:pPr lvl="0" algn="l" rtl="0"/>
             <a:r>
-              <a:rPr lang="de-DE" b="0" i="0" u="none" baseline="0" smtClean="0"/>
+              <a:rPr lang="de-DE" b="0" i="0" u="none" baseline="0"/>
               <a:t>Formatvorlagen des Textmasters bearbeiten</a:t>
             </a:r>
-            <a:endParaRPr lang="de-DE" b="0" i="0" u="none" baseline="0" smtClean="0"/>
           </a:p>
           <a:p>
             <a:pPr lvl="1" algn="l" rtl="0"/>
             <a:r>
-              <a:rPr lang="de-DE" b="0" i="0" u="none" baseline="0" smtClean="0"/>
+              <a:rPr lang="de-DE" b="0" i="0" u="none" baseline="0"/>
               <a:t>Zweite Ebene</a:t>
             </a:r>
-            <a:endParaRPr lang="de-DE" b="0" i="0" u="none" baseline="0" smtClean="0"/>
           </a:p>
         </p:txBody>
       </p:sp>
@@ -8904,13 +8874,6 @@
   <p:clrMapOvr>
     <a:masterClrMapping/>
   </p:clrMapOvr>
-  <p:timing>
-    <p:tnLst>
-      <p:par>
-        <p:cTn id="1" dur="indefinite" restart="never" nodeType="tmRoot"/>
-      </p:par>
-    </p:tnLst>
-  </p:timing>
 </p:sldLayout>
 </file>
 
@@ -8955,7 +8918,7 @@
           <a:p>
             <a:pPr algn="l" rtl="0"/>
             <a:r>
-              <a:rPr lang="de-DE" b="0" i="0" u="none" baseline="0" smtClean="0"/>
+              <a:rPr lang="de-DE" b="0" i="0" u="none" baseline="0"/>
               <a:t>Titelmasterformat durch Klicken bearbeiten</a:t>
             </a:r>
             <a:endParaRPr lang="en-GB" dirty="0"/>
@@ -9004,6 +8967,7 @@
             <a:pPr algn="l" rtl="0"/>
             <a:fld id="{78742581-81B1-425F-B25E-3CD197136A05}" type="slidenum">
               <a:rPr/>
+              <a:t>‹#›</a:t>
             </a:fld>
             <a:endParaRPr lang="en-GB" dirty="0"/>
           </a:p>
@@ -9053,39 +9017,35 @@
           <a:p>
             <a:pPr lvl="0" algn="l" rtl="0"/>
             <a:r>
-              <a:rPr lang="de-DE" b="0" i="0" u="none" baseline="0" smtClean="0"/>
+              <a:rPr lang="de-DE" b="0" i="0" u="none" baseline="0"/>
               <a:t>Formatvorlagen des Textmasters bearbeiten</a:t>
             </a:r>
-            <a:endParaRPr lang="de-DE" b="0" i="0" u="none" baseline="0" smtClean="0"/>
           </a:p>
           <a:p>
             <a:pPr lvl="1" algn="l" rtl="0"/>
             <a:r>
-              <a:rPr lang="de-DE" b="0" i="0" u="none" baseline="0" smtClean="0"/>
+              <a:rPr lang="de-DE" b="0" i="0" u="none" baseline="0"/>
               <a:t>Zweite Ebene</a:t>
             </a:r>
-            <a:endParaRPr lang="de-DE" b="0" i="0" u="none" baseline="0" smtClean="0"/>
           </a:p>
           <a:p>
             <a:pPr lvl="2" algn="l" rtl="0"/>
             <a:r>
-              <a:rPr lang="de-DE" b="0" i="0" u="none" baseline="0" smtClean="0"/>
+              <a:rPr lang="de-DE" b="0" i="0" u="none" baseline="0"/>
               <a:t>Dritte Ebene</a:t>
             </a:r>
-            <a:endParaRPr lang="de-DE" b="0" i="0" u="none" baseline="0" smtClean="0"/>
           </a:p>
           <a:p>
             <a:pPr lvl="3" algn="l" rtl="0"/>
             <a:r>
-              <a:rPr lang="de-DE" b="0" i="0" u="none" baseline="0" smtClean="0"/>
+              <a:rPr lang="de-DE" b="0" i="0" u="none" baseline="0"/>
               <a:t>Vierte Ebene</a:t>
             </a:r>
-            <a:endParaRPr lang="de-DE" b="0" i="0" u="none" baseline="0" smtClean="0"/>
           </a:p>
           <a:p>
             <a:pPr lvl="4" algn="l" rtl="0"/>
             <a:r>
-              <a:rPr lang="de-DE" b="0" i="0" u="none" baseline="0" smtClean="0"/>
+              <a:rPr lang="de-DE" b="0" i="0" u="none" baseline="0"/>
               <a:t>Fünfte Ebene</a:t>
             </a:r>
             <a:endParaRPr lang="en-GB" dirty="0"/>
@@ -9139,7 +9099,7 @@
               <a:buFontTx/>
               <a:buNone/>
             </a:pPr>
-            <a:endParaRPr kumimoji="0" lang="en-GB" sz="1800" b="0" i="0" u="none" strike="noStrike" cap="none" normalizeH="0" baseline="0" smtClean="0">
+            <a:endParaRPr kumimoji="0" lang="en-GB" sz="1800" b="0" i="0" u="none" strike="noStrike" cap="none" normalizeH="0" baseline="0">
               <a:ln>
                 <a:noFill/>
               </a:ln>
@@ -9196,39 +9156,35 @@
           <a:p>
             <a:pPr lvl="0" algn="l" rtl="0"/>
             <a:r>
-              <a:rPr lang="de-DE" b="0" i="0" u="none" baseline="0" smtClean="0"/>
+              <a:rPr lang="de-DE" b="0" i="0" u="none" baseline="0"/>
               <a:t>Formatvorlagen des Textmasters bearbeiten</a:t>
             </a:r>
-            <a:endParaRPr lang="de-DE" b="0" i="0" u="none" baseline="0" smtClean="0"/>
           </a:p>
           <a:p>
             <a:pPr lvl="1" algn="l" rtl="0"/>
             <a:r>
-              <a:rPr lang="de-DE" b="0" i="0" u="none" baseline="0" smtClean="0"/>
+              <a:rPr lang="de-DE" b="0" i="0" u="none" baseline="0"/>
               <a:t>Zweite Ebene</a:t>
             </a:r>
-            <a:endParaRPr lang="de-DE" b="0" i="0" u="none" baseline="0" smtClean="0"/>
           </a:p>
           <a:p>
             <a:pPr lvl="2" algn="l" rtl="0"/>
             <a:r>
-              <a:rPr lang="de-DE" b="0" i="0" u="none" baseline="0" smtClean="0"/>
+              <a:rPr lang="de-DE" b="0" i="0" u="none" baseline="0"/>
               <a:t>Dritte Ebene</a:t>
             </a:r>
-            <a:endParaRPr lang="de-DE" b="0" i="0" u="none" baseline="0" smtClean="0"/>
           </a:p>
           <a:p>
             <a:pPr lvl="3" algn="l" rtl="0"/>
             <a:r>
-              <a:rPr lang="de-DE" b="0" i="0" u="none" baseline="0" smtClean="0"/>
+              <a:rPr lang="de-DE" b="0" i="0" u="none" baseline="0"/>
               <a:t>Vierte Ebene</a:t>
             </a:r>
-            <a:endParaRPr lang="de-DE" b="0" i="0" u="none" baseline="0" smtClean="0"/>
           </a:p>
           <a:p>
             <a:pPr lvl="4" algn="l" rtl="0"/>
             <a:r>
-              <a:rPr lang="de-DE" b="0" i="0" u="none" baseline="0" smtClean="0"/>
+              <a:rPr lang="de-DE" b="0" i="0" u="none" baseline="0"/>
               <a:t>Fünfte Ebene</a:t>
             </a:r>
             <a:endParaRPr lang="en-GB" dirty="0"/>
@@ -9282,7 +9238,7 @@
               <a:buFontTx/>
               <a:buNone/>
             </a:pPr>
-            <a:endParaRPr kumimoji="0" lang="en-GB" sz="1800" b="0" i="0" u="none" strike="noStrike" cap="none" normalizeH="0" baseline="0" smtClean="0">
+            <a:endParaRPr kumimoji="0" lang="en-GB" sz="1800" b="0" i="0" u="none" strike="noStrike" cap="none" normalizeH="0" baseline="0">
               <a:ln>
                 <a:noFill/>
               </a:ln>
@@ -9344,7 +9300,7 @@
 </file>
 
 <file path=ppt/slideLayouts/slideLayout7.xml><?xml version="1.0" encoding="utf-8"?>
-<p:sldLayout xmlns:a="http://schemas.openxmlformats.org/drawingml/2006/main" xmlns:r="http://schemas.openxmlformats.org/officeDocument/2006/relationships" xmlns:p="http://schemas.openxmlformats.org/presentationml/2006/main" preserve="1" showMasterSp="0" userDrawn="1">
+<p:sldLayout xmlns:a="http://schemas.openxmlformats.org/drawingml/2006/main" xmlns:r="http://schemas.openxmlformats.org/officeDocument/2006/relationships" xmlns:p="http://schemas.openxmlformats.org/presentationml/2006/main" showMasterSp="0" preserve="1" userDrawn="1">
   <p:cSld name="1 Bild rechts + graue Box">
     <p:spTree>
       <p:nvGrpSpPr>
@@ -9426,6 +9382,7 @@
             <a:pPr algn="l" rtl="0"/>
             <a:fld id="{78742581-81B1-425F-B25E-3CD197136A05}" type="slidenum">
               <a:rPr/>
+              <a:t>‹#›</a:t>
             </a:fld>
             <a:endParaRPr lang="en-GB" dirty="0"/>
           </a:p>
@@ -9467,7 +9424,7 @@
           <a:p>
             <a:pPr algn="l" rtl="0"/>
             <a:r>
-              <a:rPr lang="de-DE" b="0" i="1" u="none" baseline="0" smtClean="0"/>
+              <a:rPr lang="de-DE" b="0" i="1" u="none" baseline="0"/>
               <a:t>Titelmasterformat durch Klicken bearbeiten</a:t>
             </a:r>
             <a:endParaRPr lang="en-GB" dirty="0"/>
@@ -9566,7 +9523,7 @@
               <a:buFontTx/>
               <a:buNone/>
             </a:pPr>
-            <a:endParaRPr kumimoji="0" lang="en-GB" sz="1800" b="0" i="0" u="none" strike="noStrike" cap="none" normalizeH="0" baseline="0" smtClean="0">
+            <a:endParaRPr kumimoji="0" lang="en-GB" sz="1800" b="0" i="0" u="none" strike="noStrike" cap="none" normalizeH="0" baseline="0">
               <a:ln>
                 <a:noFill/>
               </a:ln>
@@ -9611,10 +9568,9 @@
           <a:p>
             <a:pPr lvl="0" algn="l" rtl="0"/>
             <a:r>
-              <a:rPr lang="de-DE" b="0" i="0" u="none" baseline="0" smtClean="0"/>
+              <a:rPr lang="de-DE" b="0" i="0" u="none" baseline="0"/>
               <a:t>Formatvorlagen des Textmasters bearbeiten</a:t>
             </a:r>
-            <a:endParaRPr lang="de-DE" b="0" i="0" u="none" baseline="0" smtClean="0"/>
           </a:p>
         </p:txBody>
       </p:sp>
@@ -9648,7 +9604,7 @@
           <a:p>
             <a:pPr algn="l" rtl="0"/>
             <a:r>
-              <a:rPr lang="de-DE" b="0" i="0" u="none" baseline="0" smtClean="0"/>
+              <a:rPr lang="de-DE" b="0" i="0" u="none" baseline="0"/>
               <a:t>Bild durch Klicken auf Symbol hinzufügen</a:t>
             </a:r>
             <a:endParaRPr lang="en-GB" dirty="0"/>
@@ -9719,34 +9675,30 @@
           <a:p>
             <a:pPr lvl="0" algn="l" rtl="0"/>
             <a:r>
-              <a:rPr lang="de-DE" b="0" i="0" u="none" baseline="0" smtClean="0"/>
+              <a:rPr lang="de-DE" b="0" i="0" u="none" baseline="0"/>
               <a:t>Formatvorlagen des Textmasters bearbeiten</a:t>
             </a:r>
-            <a:endParaRPr lang="de-DE" b="0" i="0" u="none" baseline="0" smtClean="0"/>
           </a:p>
           <a:p>
             <a:pPr lvl="1" algn="l" rtl="0"/>
             <a:r>
-              <a:rPr lang="de-DE" b="0" i="0" u="none" baseline="0" smtClean="0"/>
+              <a:rPr lang="de-DE" b="0" i="0" u="none" baseline="0"/>
               <a:t>Zweite Ebene</a:t>
             </a:r>
-            <a:endParaRPr lang="de-DE" b="0" i="0" u="none" baseline="0" smtClean="0"/>
           </a:p>
           <a:p>
             <a:pPr lvl="2" algn="l" rtl="0"/>
             <a:r>
-              <a:rPr lang="de-DE" b="0" i="0" u="none" baseline="0" smtClean="0"/>
+              <a:rPr lang="de-DE" b="0" i="0" u="none" baseline="0"/>
               <a:t>Dritte Ebene</a:t>
             </a:r>
-            <a:endParaRPr lang="de-DE" b="0" i="0" u="none" baseline="0" smtClean="0"/>
           </a:p>
           <a:p>
             <a:pPr lvl="3" algn="l" rtl="0"/>
             <a:r>
-              <a:rPr lang="de-DE" b="0" i="0" u="none" baseline="0" smtClean="0"/>
+              <a:rPr lang="de-DE" b="0" i="0" u="none" baseline="0"/>
               <a:t>Vierte Ebene</a:t>
             </a:r>
-            <a:endParaRPr lang="de-DE" b="0" i="0" u="none" baseline="0" smtClean="0"/>
           </a:p>
         </p:txBody>
       </p:sp>
@@ -9795,7 +9747,7 @@
               <a:buFontTx/>
               <a:buNone/>
             </a:pPr>
-            <a:endParaRPr kumimoji="0" lang="en-GB" sz="1800" b="0" i="0" u="none" strike="noStrike" cap="none" normalizeH="0" baseline="0" smtClean="0">
+            <a:endParaRPr kumimoji="0" lang="en-GB" sz="1800" b="0" i="0" u="none" strike="noStrike" cap="none" normalizeH="0" baseline="0">
               <a:ln>
                 <a:noFill/>
               </a:ln>
@@ -9890,18 +9842,11 @@
   <p:clrMapOvr>
     <a:masterClrMapping/>
   </p:clrMapOvr>
-  <p:timing>
-    <p:tnLst>
-      <p:par>
-        <p:cTn id="1" dur="indefinite" restart="never" nodeType="tmRoot"/>
-      </p:par>
-    </p:tnLst>
-  </p:timing>
 </p:sldLayout>
 </file>
 
 <file path=ppt/slideLayouts/slideLayout8.xml><?xml version="1.0" encoding="utf-8"?>
-<p:sldLayout xmlns:a="http://schemas.openxmlformats.org/drawingml/2006/main" xmlns:r="http://schemas.openxmlformats.org/officeDocument/2006/relationships" xmlns:p="http://schemas.openxmlformats.org/presentationml/2006/main" preserve="1" showMasterSp="0" userDrawn="1">
+<p:sldLayout xmlns:a="http://schemas.openxmlformats.org/drawingml/2006/main" xmlns:r="http://schemas.openxmlformats.org/officeDocument/2006/relationships" xmlns:p="http://schemas.openxmlformats.org/presentationml/2006/main" showMasterSp="0" preserve="1" userDrawn="1">
   <p:cSld name="3 Bilder links/grau hinterlegt">
     <p:spTree>
       <p:nvGrpSpPr>
@@ -9983,6 +9928,7 @@
             <a:pPr algn="l" rtl="0"/>
             <a:fld id="{78742581-81B1-425F-B25E-3CD197136A05}" type="slidenum">
               <a:rPr/>
+              <a:t>‹#›</a:t>
             </a:fld>
             <a:endParaRPr lang="en-GB" dirty="0"/>
           </a:p>
@@ -10021,7 +9967,7 @@
           <a:p>
             <a:pPr algn="l" rtl="0"/>
             <a:r>
-              <a:rPr lang="de-DE" b="0" i="1" u="none" baseline="0" smtClean="0"/>
+              <a:rPr lang="de-DE" b="0" i="1" u="none" baseline="0"/>
               <a:t>Titelmasterformat durch Klicken bearbeiten</a:t>
             </a:r>
             <a:endParaRPr lang="en-GB" dirty="0"/>
@@ -10105,7 +10051,7 @@
           <a:p>
             <a:pPr algn="l" rtl="0"/>
             <a:r>
-              <a:rPr lang="de-DE" b="0" i="0" u="none" baseline="0" smtClean="0"/>
+              <a:rPr lang="de-DE" b="0" i="0" u="none" baseline="0"/>
               <a:t>Bild durch Klicken auf Symbol hinzufügen</a:t>
             </a:r>
             <a:endParaRPr lang="en-GB" dirty="0"/>
@@ -10176,34 +10122,30 @@
           <a:p>
             <a:pPr lvl="0" algn="l" rtl="0"/>
             <a:r>
-              <a:rPr lang="de-DE" b="0" i="0" u="none" baseline="0" smtClean="0"/>
+              <a:rPr lang="de-DE" b="0" i="0" u="none" baseline="0"/>
               <a:t>Formatvorlagen des Textmasters bearbeiten</a:t>
             </a:r>
-            <a:endParaRPr lang="de-DE" b="0" i="0" u="none" baseline="0" smtClean="0"/>
           </a:p>
           <a:p>
             <a:pPr lvl="1" algn="l" rtl="0"/>
             <a:r>
-              <a:rPr lang="de-DE" b="0" i="0" u="none" baseline="0" smtClean="0"/>
+              <a:rPr lang="de-DE" b="0" i="0" u="none" baseline="0"/>
               <a:t>Zweite Ebene</a:t>
             </a:r>
-            <a:endParaRPr lang="de-DE" b="0" i="0" u="none" baseline="0" smtClean="0"/>
           </a:p>
           <a:p>
             <a:pPr lvl="2" algn="l" rtl="0"/>
             <a:r>
-              <a:rPr lang="de-DE" b="0" i="0" u="none" baseline="0" smtClean="0"/>
+              <a:rPr lang="de-DE" b="0" i="0" u="none" baseline="0"/>
               <a:t>Dritte Ebene</a:t>
             </a:r>
-            <a:endParaRPr lang="de-DE" b="0" i="0" u="none" baseline="0" smtClean="0"/>
           </a:p>
           <a:p>
             <a:pPr lvl="3" algn="l" rtl="0"/>
             <a:r>
-              <a:rPr lang="de-DE" b="0" i="0" u="none" baseline="0" smtClean="0"/>
+              <a:rPr lang="de-DE" b="0" i="0" u="none" baseline="0"/>
               <a:t>Vierte Ebene</a:t>
             </a:r>
-            <a:endParaRPr lang="de-DE" b="0" i="0" u="none" baseline="0" smtClean="0"/>
           </a:p>
         </p:txBody>
       </p:sp>
@@ -10252,7 +10194,7 @@
               <a:buFontTx/>
               <a:buNone/>
             </a:pPr>
-            <a:endParaRPr kumimoji="0" lang="en-GB" sz="1800" b="0" i="0" u="none" strike="noStrike" cap="none" normalizeH="0" baseline="0" smtClean="0">
+            <a:endParaRPr kumimoji="0" lang="en-GB" sz="1800" b="0" i="0" u="none" strike="noStrike" cap="none" normalizeH="0" baseline="0">
               <a:ln>
                 <a:noFill/>
               </a:ln>
@@ -10310,7 +10252,7 @@
               <a:buFontTx/>
               <a:buNone/>
             </a:pPr>
-            <a:endParaRPr kumimoji="0" lang="en-GB" sz="1800" b="0" i="0" u="none" strike="noStrike" cap="none" normalizeH="0" baseline="0" smtClean="0">
+            <a:endParaRPr kumimoji="0" lang="en-GB" sz="1800" b="0" i="0" u="none" strike="noStrike" cap="none" normalizeH="0" baseline="0">
               <a:ln>
                 <a:noFill/>
               </a:ln>
@@ -10353,7 +10295,7 @@
           <a:p>
             <a:pPr algn="l" rtl="0"/>
             <a:r>
-              <a:rPr lang="de-DE" b="0" i="0" u="none" baseline="0" smtClean="0"/>
+              <a:rPr lang="de-DE" b="0" i="0" u="none" baseline="0"/>
               <a:t>Bild durch Klicken auf Symbol hinzufügen</a:t>
             </a:r>
             <a:endParaRPr lang="en-GB" dirty="0"/>
@@ -10390,7 +10332,7 @@
           <a:p>
             <a:pPr algn="l" rtl="0"/>
             <a:r>
-              <a:rPr lang="de-DE" b="0" i="0" u="none" baseline="0" smtClean="0"/>
+              <a:rPr lang="de-DE" b="0" i="0" u="none" baseline="0"/>
               <a:t>Bild durch Klicken auf Symbol hinzufügen</a:t>
             </a:r>
             <a:endParaRPr lang="en-GB" dirty="0"/>
@@ -10479,18 +10421,11 @@
   <p:clrMapOvr>
     <a:masterClrMapping/>
   </p:clrMapOvr>
-  <p:timing>
-    <p:tnLst>
-      <p:par>
-        <p:cTn id="1" dur="indefinite" restart="never" nodeType="tmRoot"/>
-      </p:par>
-    </p:tnLst>
-  </p:timing>
 </p:sldLayout>
 </file>
 
 <file path=ppt/slideLayouts/slideLayout9.xml><?xml version="1.0" encoding="utf-8"?>
-<p:sldLayout xmlns:a="http://schemas.openxmlformats.org/drawingml/2006/main" xmlns:r="http://schemas.openxmlformats.org/officeDocument/2006/relationships" xmlns:p="http://schemas.openxmlformats.org/presentationml/2006/main" preserve="1" showMasterSp="0" userDrawn="1">
+<p:sldLayout xmlns:a="http://schemas.openxmlformats.org/drawingml/2006/main" xmlns:r="http://schemas.openxmlformats.org/officeDocument/2006/relationships" xmlns:p="http://schemas.openxmlformats.org/presentationml/2006/main" showMasterSp="0" preserve="1" userDrawn="1">
   <p:cSld name="3 Bilder rechts/grau hinterlegt">
     <p:spTree>
       <p:nvGrpSpPr>
@@ -10572,6 +10507,7 @@
             <a:pPr algn="l" rtl="0"/>
             <a:fld id="{78742581-81B1-425F-B25E-3CD197136A05}" type="slidenum">
               <a:rPr/>
+              <a:t>‹#›</a:t>
             </a:fld>
             <a:endParaRPr lang="en-GB" dirty="0"/>
           </a:p>
@@ -10613,7 +10549,7 @@
           <a:p>
             <a:pPr algn="l" rtl="0"/>
             <a:r>
-              <a:rPr lang="de-DE" b="0" i="1" u="none" baseline="0" smtClean="0"/>
+              <a:rPr lang="de-DE" b="0" i="1" u="none" baseline="0"/>
               <a:t>Titelmasterformat durch Klicken bearbeiten</a:t>
             </a:r>
             <a:endParaRPr lang="en-GB" dirty="0"/>
@@ -10712,7 +10648,7 @@
               <a:buFontTx/>
               <a:buNone/>
             </a:pPr>
-            <a:endParaRPr kumimoji="0" lang="en-GB" sz="1800" b="0" i="0" u="none" strike="noStrike" cap="none" normalizeH="0" baseline="0" smtClean="0">
+            <a:endParaRPr kumimoji="0" lang="en-GB" sz="1800" b="0" i="0" u="none" strike="noStrike" cap="none" normalizeH="0" baseline="0">
               <a:ln>
                 <a:noFill/>
               </a:ln>
@@ -10789,34 +10725,30 @@
           <a:p>
             <a:pPr lvl="0" algn="l" rtl="0"/>
             <a:r>
-              <a:rPr lang="de-DE" b="0" i="0" u="none" baseline="0" smtClean="0"/>
+              <a:rPr lang="de-DE" b="0" i="0" u="none" baseline="0"/>
               <a:t>Formatvorlagen des Textmasters bearbeiten</a:t>
             </a:r>
-            <a:endParaRPr lang="de-DE" b="0" i="0" u="none" baseline="0" smtClean="0"/>
           </a:p>
           <a:p>
             <a:pPr lvl="1" algn="l" rtl="0"/>
             <a:r>
-              <a:rPr lang="de-DE" b="0" i="0" u="none" baseline="0" smtClean="0"/>
+              <a:rPr lang="de-DE" b="0" i="0" u="none" baseline="0"/>
               <a:t>Zweite Ebene</a:t>
             </a:r>
-            <a:endParaRPr lang="de-DE" b="0" i="0" u="none" baseline="0" smtClean="0"/>
           </a:p>
           <a:p>
             <a:pPr lvl="2" algn="l" rtl="0"/>
             <a:r>
-              <a:rPr lang="de-DE" b="0" i="0" u="none" baseline="0" smtClean="0"/>
+              <a:rPr lang="de-DE" b="0" i="0" u="none" baseline="0"/>
               <a:t>Dritte Ebene</a:t>
             </a:r>
-            <a:endParaRPr lang="de-DE" b="0" i="0" u="none" baseline="0" smtClean="0"/>
           </a:p>
           <a:p>
             <a:pPr lvl="3" algn="l" rtl="0"/>
             <a:r>
-              <a:rPr lang="de-DE" b="0" i="0" u="none" baseline="0" smtClean="0"/>
+              <a:rPr lang="de-DE" b="0" i="0" u="none" baseline="0"/>
               <a:t>Vierte Ebene</a:t>
             </a:r>
-            <a:endParaRPr lang="de-DE" b="0" i="0" u="none" baseline="0" smtClean="0"/>
           </a:p>
         </p:txBody>
       </p:sp>
@@ -10850,7 +10782,7 @@
           <a:p>
             <a:pPr algn="l" rtl="0"/>
             <a:r>
-              <a:rPr lang="de-DE" b="0" i="0" u="none" baseline="0" smtClean="0"/>
+              <a:rPr lang="de-DE" b="0" i="0" u="none" baseline="0"/>
               <a:t>Bild durch Klicken auf Symbol hinzufügen</a:t>
             </a:r>
             <a:endParaRPr lang="en-GB" dirty="0"/>
@@ -10887,7 +10819,7 @@
           <a:p>
             <a:pPr algn="l" rtl="0"/>
             <a:r>
-              <a:rPr lang="de-DE" b="0" i="0" u="none" baseline="0" smtClean="0"/>
+              <a:rPr lang="de-DE" b="0" i="0" u="none" baseline="0"/>
               <a:t>Bild durch Klicken auf Symbol hinzufügen</a:t>
             </a:r>
             <a:endParaRPr lang="en-GB" dirty="0"/>
@@ -10939,7 +10871,7 @@
               <a:buFontTx/>
               <a:buNone/>
             </a:pPr>
-            <a:endParaRPr kumimoji="0" lang="en-GB" sz="1800" b="0" i="0" u="none" strike="noStrike" cap="none" normalizeH="0" baseline="0" smtClean="0">
+            <a:endParaRPr kumimoji="0" lang="en-GB" sz="1800" b="0" i="0" u="none" strike="noStrike" cap="none" normalizeH="0" baseline="0">
               <a:ln>
                 <a:noFill/>
               </a:ln>
@@ -10982,7 +10914,7 @@
           <a:p>
             <a:pPr algn="l" rtl="0"/>
             <a:r>
-              <a:rPr lang="de-DE" b="0" i="0" u="none" baseline="0" smtClean="0"/>
+              <a:rPr lang="de-DE" b="0" i="0" u="none" baseline="0"/>
               <a:t>Bild durch Klicken auf Symbol hinzufügen</a:t>
             </a:r>
             <a:endParaRPr lang="en-GB" dirty="0"/>
@@ -11071,13 +11003,6 @@
   <p:clrMapOvr>
     <a:masterClrMapping/>
   </p:clrMapOvr>
-  <p:timing>
-    <p:tnLst>
-      <p:par>
-        <p:cTn id="1" dur="indefinite" restart="never" nodeType="tmRoot"/>
-      </p:par>
-    </p:tnLst>
-  </p:timing>
 </p:sldLayout>
 </file>
 
@@ -11133,7 +11058,7 @@
           <a:p>
             <a:pPr algn="l" rtl="0"/>
             <a:r>
-              <a:rPr lang="de-DE" b="0" i="0" u="none" baseline="0" smtClean="0"/>
+              <a:rPr lang="de-DE" b="0" i="0" u="none" baseline="0"/>
               <a:t>Titelmasterformat durch Klicken bearbeiten</a:t>
             </a:r>
             <a:endParaRPr lang="en-GB" dirty="0"/>
@@ -11348,6 +11273,7 @@
             <a:pPr algn="l" rtl="0"/>
             <a:fld id="{78742581-81B1-425F-B25E-3CD197136A05}" type="slidenum">
               <a:rPr/>
+              <a:t>‹#›</a:t>
             </a:fld>
             <a:endParaRPr lang="en-GB" dirty="0"/>
           </a:p>
@@ -11362,7 +11288,7 @@
           <p:nvPr userDrawn="1"/>
         </p:nvPicPr>
         <p:blipFill>
-          <a:blip r:embed="rId22" cstate="print">
+          <a:blip r:embed="rId23" cstate="print">
             <a:extLst>
               <a:ext uri="{28A0092B-C50C-407E-A947-70E740481C1C}">
                 <a14:useLocalDpi xmlns:a14="http://schemas.microsoft.com/office/drawing/2010/main" val="0"/>
@@ -11409,13 +11335,6 @@
     <p:sldLayoutId id="2147483668" r:id="rId20"/>
     <p:sldLayoutId id="2147483669" r:id="rId21"/>
   </p:sldLayoutIdLst>
-  <p:timing>
-    <p:tnLst>
-      <p:par>
-        <p:cTn id="1" dur="indefinite" restart="never" nodeType="tmRoot"/>
-      </p:par>
-    </p:tnLst>
-  </p:timing>
   <p:hf hdr="0"/>
   <p:txStyles>
     <p:titleStyle>
@@ -11867,7 +11786,6 @@
               <a:rPr lang="en-US" altLang="en-GB" b="0" i="0" u="none" baseline="0" dirty="0"/>
               <a:t>Chenxiao Tian, Zubair Ahmed, Yashu Wang</a:t>
             </a:r>
-            <a:endParaRPr lang="en-US" altLang="en-GB" b="0" i="0" u="none" baseline="0" dirty="0"/>
           </a:p>
           <a:p>
             <a:pPr algn="r" rtl="0"/>
@@ -11875,7 +11793,6 @@
               <a:rPr lang="en-US" altLang="en-GB" dirty="0"/>
               <a:t>07.02.2022</a:t>
             </a:r>
-            <a:endParaRPr lang="en-US" altLang="en-GB" dirty="0"/>
           </a:p>
         </p:txBody>
       </p:sp>
@@ -11890,7 +11807,7 @@
           </p:nvPr>
         </p:nvPicPr>
         <p:blipFill>
-          <a:blip r:embed="rId1" cstate="screen"/>
+          <a:blip r:embed="rId2" cstate="screen"/>
           <a:srcRect/>
           <a:stretch>
             <a:fillRect/>
@@ -11903,13 +11820,6 @@
   <p:clrMapOvr>
     <a:masterClrMapping/>
   </p:clrMapOvr>
-  <p:timing>
-    <p:tnLst>
-      <p:par>
-        <p:cTn id="1" dur="indefinite" restart="never" nodeType="tmRoot"/>
-      </p:par>
-    </p:tnLst>
-  </p:timing>
 </p:sld>
 </file>
 
@@ -11977,60 +11887,55 @@
               <a:defRPr/>
             </a:pPr>
             <a:r>
-              <a:rPr lang="en-US" altLang="en-GB" b="0" i="0" u="none" baseline="0"/>
+              <a:rPr lang="en-US" altLang="en-GB" b="0" i="0" u="none" baseline="0" dirty="0"/>
               <a:t>Introduction</a:t>
             </a:r>
-            <a:endParaRPr lang="en-US" altLang="en-GB" b="0" i="0" u="none" baseline="0"/>
           </a:p>
           <a:p>
             <a:pPr algn="l" rtl="0">
               <a:defRPr/>
             </a:pPr>
             <a:r>
-              <a:rPr lang="en-US" altLang="en-GB" b="0" i="0" u="none" baseline="0"/>
+              <a:rPr lang="en-US" altLang="en-GB" b="0" i="0" u="none" baseline="0" dirty="0"/>
               <a:t>Motivation</a:t>
             </a:r>
-            <a:endParaRPr lang="en-US" altLang="en-GB" b="0" i="0" u="none" baseline="0"/>
           </a:p>
           <a:p>
             <a:pPr algn="l" rtl="0">
               <a:defRPr/>
             </a:pPr>
             <a:r>
-              <a:rPr lang="en-US" altLang="en-GB" b="0" i="0" u="none" baseline="0"/>
+              <a:rPr lang="en-US" altLang="en-GB" b="0" i="0" u="none" baseline="0" dirty="0"/>
               <a:t>Problem Statement</a:t>
             </a:r>
-            <a:endParaRPr lang="en-GB" dirty="0" smtClean="0"/>
+            <a:endParaRPr lang="en-GB" dirty="0"/>
           </a:p>
           <a:p>
             <a:pPr algn="l" rtl="0">
               <a:defRPr/>
             </a:pPr>
             <a:r>
-              <a:rPr lang="en-US" altLang="en-GB" b="0" i="0" u="none" baseline="0"/>
+              <a:rPr lang="en-US" altLang="en-GB" b="0" i="0" u="none" baseline="0" dirty="0"/>
               <a:t>Data preprocessing</a:t>
             </a:r>
-            <a:endParaRPr lang="en-US" altLang="en-GB" b="0" i="0" u="none" baseline="0"/>
           </a:p>
           <a:p>
             <a:pPr algn="l" rtl="0">
               <a:defRPr/>
             </a:pPr>
             <a:r>
-              <a:rPr lang="en-US" altLang="en-GB" b="0" i="0" u="none" baseline="0"/>
+              <a:rPr lang="en-US" altLang="en-GB" b="0" i="0" u="none" baseline="0" dirty="0"/>
               <a:t>Implementation</a:t>
             </a:r>
-            <a:endParaRPr lang="en-US" altLang="en-GB" b="0" i="0" u="none" baseline="0"/>
           </a:p>
           <a:p>
             <a:pPr algn="l" rtl="0">
               <a:defRPr/>
             </a:pPr>
             <a:r>
-              <a:rPr lang="en-US" altLang="en-GB" b="0" i="0" u="none" baseline="0"/>
+              <a:rPr lang="en-US" altLang="en-GB" b="0" i="0" u="none" baseline="0" dirty="0"/>
               <a:t>Evaluation</a:t>
             </a:r>
-            <a:endParaRPr lang="en-US" altLang="en-GB" b="0" i="0" u="none" baseline="0"/>
           </a:p>
           <a:p>
             <a:pPr algn="l" rtl="0">
@@ -12040,7 +11945,6 @@
               <a:rPr lang="en-US" altLang="en-GB" dirty="0"/>
               <a:t>Conclusion</a:t>
             </a:r>
-            <a:endParaRPr lang="en-US" altLang="en-GB" dirty="0"/>
           </a:p>
         </p:txBody>
       </p:sp>
@@ -12086,6 +11990,7 @@
             <a:pPr algn="r" rtl="0"/>
             <a:fld id="{78742581-81B1-425F-B25E-3CD197136A05}" type="slidenum">
               <a:rPr/>
+              <a:t>2</a:t>
             </a:fld>
             <a:endParaRPr lang="en-GB" dirty="0"/>
           </a:p>
@@ -12120,13 +12025,6 @@
   <p:clrMapOvr>
     <a:masterClrMapping/>
   </p:clrMapOvr>
-  <p:timing>
-    <p:tnLst>
-      <p:par>
-        <p:cTn id="1" dur="indefinite" restart="never" nodeType="tmRoot"/>
-      </p:par>
-    </p:tnLst>
-  </p:timing>
 </p:sld>
 </file>
 
@@ -12197,7 +12095,6 @@
               <a:rPr lang="en-US" altLang="en-GB" dirty="0"/>
               <a:t>Pedestrian Trajectory Prediction: Predict people's future trajectory based on the observed trajectory.</a:t>
             </a:r>
-            <a:endParaRPr lang="en-US" altLang="en-GB" dirty="0"/>
           </a:p>
           <a:p>
             <a:pPr algn="l" rtl="0">
@@ -12207,7 +12104,6 @@
               <a:rPr lang="en-US" altLang="en-GB" dirty="0"/>
               <a:t>Applications: Auto-driving, monitoring, etc.</a:t>
             </a:r>
-            <a:endParaRPr lang="en-US" altLang="en-GB" dirty="0"/>
           </a:p>
           <a:p>
             <a:pPr algn="l" rtl="0">
@@ -12217,7 +12113,6 @@
               <a:rPr lang="en-US" altLang="en-GB" dirty="0"/>
               <a:t>Implementation:</a:t>
             </a:r>
-            <a:endParaRPr lang="en-US" altLang="en-GB" dirty="0"/>
           </a:p>
           <a:p>
             <a:pPr lvl="1" algn="l" rtl="0">
@@ -12247,7 +12142,6 @@
               <a:rPr lang="en-US" altLang="en-GB" dirty="0"/>
               <a:t>map[2].</a:t>
             </a:r>
-            <a:endParaRPr lang="en-US" altLang="en-GB" dirty="0"/>
           </a:p>
           <a:p>
             <a:pPr lvl="1" algn="l" rtl="0">
@@ -12257,7 +12151,6 @@
               <a:rPr lang="en-US" altLang="en-GB" dirty="0"/>
               <a:t>Non-deteministic: machine learning, deep learning.</a:t>
             </a:r>
-            <a:endParaRPr lang="en-US" altLang="en-GB" dirty="0"/>
           </a:p>
           <a:p>
             <a:pPr marL="0" indent="0" algn="l" rtl="0">
@@ -12317,6 +12210,7 @@
             <a:pPr algn="r" rtl="0"/>
             <a:fld id="{78742581-81B1-425F-B25E-3CD197136A05}" type="slidenum">
               <a:rPr/>
+              <a:t>3</a:t>
             </a:fld>
             <a:endParaRPr lang="en-GB" dirty="0"/>
           </a:p>
@@ -12351,13 +12245,6 @@
   <p:clrMapOvr>
     <a:masterClrMapping/>
   </p:clrMapOvr>
-  <p:timing>
-    <p:tnLst>
-      <p:par>
-        <p:cTn id="1" dur="indefinite" restart="never" nodeType="tmRoot"/>
-      </p:par>
-    </p:tnLst>
-  </p:timing>
 </p:sld>
 </file>
 
@@ -12428,7 +12315,6 @@
               <a:rPr lang="en-US" altLang="en-GB" dirty="0"/>
               <a:t>Disentangle control factors from the experiments.</a:t>
             </a:r>
-            <a:endParaRPr lang="en-US" altLang="en-GB" dirty="0"/>
           </a:p>
           <a:p>
             <a:pPr algn="l" rtl="0">
@@ -12438,7 +12324,6 @@
               <a:rPr lang="en-US" altLang="en-GB" dirty="0"/>
               <a:t>What the benefits we can get from the factors.</a:t>
             </a:r>
-            <a:endParaRPr lang="en-US" altLang="en-GB" dirty="0"/>
           </a:p>
         </p:txBody>
       </p:sp>
@@ -12484,6 +12369,7 @@
             <a:pPr algn="r" rtl="0"/>
             <a:fld id="{78742581-81B1-425F-B25E-3CD197136A05}" type="slidenum">
               <a:rPr/>
+              <a:t>4</a:t>
             </a:fld>
             <a:endParaRPr lang="en-GB" dirty="0"/>
           </a:p>
@@ -12518,13 +12404,6 @@
   <p:clrMapOvr>
     <a:masterClrMapping/>
   </p:clrMapOvr>
-  <p:timing>
-    <p:tnLst>
-      <p:par>
-        <p:cTn id="1" dur="indefinite" restart="never" nodeType="tmRoot"/>
-      </p:par>
-    </p:tnLst>
-  </p:timing>
 </p:sld>
 </file>
 
@@ -12596,7 +12475,6 @@
               <a:rPr lang="en-US" altLang="en-GB" dirty="0"/>
               <a:t>Using nfo GAN to fit a function                    </a:t>
             </a:r>
-            <a:endParaRPr lang="en-US" altLang="en-GB" dirty="0"/>
           </a:p>
           <a:p>
             <a:pPr marL="0" indent="0" algn="l" rtl="0">
@@ -12607,7 +12485,6 @@
               <a:rPr lang="en-US" altLang="en-GB" dirty="0"/>
               <a:t>, where       is the predicted trajectory,        is the observed trajectory,  c is the latent space we want to disentangled from the input data and z is the input random noise.</a:t>
             </a:r>
-            <a:endParaRPr lang="en-US" altLang="en-GB" dirty="0"/>
           </a:p>
         </p:txBody>
       </p:sp>
@@ -12653,6 +12530,7 @@
             <a:pPr algn="r" rtl="0"/>
             <a:fld id="{78742581-81B1-425F-B25E-3CD197136A05}" type="slidenum">
               <a:rPr/>
+              <a:t>5</a:t>
             </a:fld>
             <a:endParaRPr lang="en-GB" dirty="0"/>
           </a:p>
@@ -12685,54 +12563,6 @@
       <p:pic>
         <p:nvPicPr>
           <p:cNvPr id="5" name="334E55B0-647D-440b-865C-3EC943EB4CBC-1" descr="wpsoffice"/>
-          <p:cNvPicPr>
-            <a:picLocks noChangeAspect="1"/>
-          </p:cNvPicPr>
-          <p:nvPr/>
-        </p:nvPicPr>
-        <p:blipFill>
-          <a:blip r:embed="rId1"/>
-          <a:stretch>
-            <a:fillRect/>
-          </a:stretch>
-        </p:blipFill>
-        <p:spPr>
-          <a:xfrm>
-            <a:off x="4016375" y="2912110"/>
-            <a:ext cx="2141186" cy="360000"/>
-          </a:xfrm>
-          <a:prstGeom prst="rect">
-            <a:avLst/>
-          </a:prstGeom>
-        </p:spPr>
-      </p:pic>
-      <p:pic>
-        <p:nvPicPr>
-          <p:cNvPr id="8" name="334E55B0-647D-440b-865C-3EC943EB4CBC-2" descr="wpsoffice"/>
-          <p:cNvPicPr>
-            <a:picLocks noChangeAspect="1"/>
-          </p:cNvPicPr>
-          <p:nvPr/>
-        </p:nvPicPr>
-        <p:blipFill>
-          <a:blip r:embed="rId2"/>
-          <a:stretch>
-            <a:fillRect/>
-          </a:stretch>
-        </p:blipFill>
-        <p:spPr>
-          <a:xfrm>
-            <a:off x="1423670" y="3380105"/>
-            <a:ext cx="340579" cy="360000"/>
-          </a:xfrm>
-          <a:prstGeom prst="rect">
-            <a:avLst/>
-          </a:prstGeom>
-        </p:spPr>
-      </p:pic>
-      <p:pic>
-        <p:nvPicPr>
-          <p:cNvPr id="9" name="334E55B0-647D-440b-865C-3EC943EB4CBC-3" descr="wpsoffice"/>
           <p:cNvPicPr>
             <a:picLocks noChangeAspect="1"/>
           </p:cNvPicPr>
@@ -12746,6 +12576,54 @@
         </p:blipFill>
         <p:spPr>
           <a:xfrm>
+            <a:off x="4016375" y="2912110"/>
+            <a:ext cx="2141186" cy="360000"/>
+          </a:xfrm>
+          <a:prstGeom prst="rect">
+            <a:avLst/>
+          </a:prstGeom>
+        </p:spPr>
+      </p:pic>
+      <p:pic>
+        <p:nvPicPr>
+          <p:cNvPr id="8" name="334E55B0-647D-440b-865C-3EC943EB4CBC-2" descr="wpsoffice"/>
+          <p:cNvPicPr>
+            <a:picLocks noChangeAspect="1"/>
+          </p:cNvPicPr>
+          <p:nvPr/>
+        </p:nvPicPr>
+        <p:blipFill>
+          <a:blip r:embed="rId4"/>
+          <a:stretch>
+            <a:fillRect/>
+          </a:stretch>
+        </p:blipFill>
+        <p:spPr>
+          <a:xfrm>
+            <a:off x="1423670" y="3380105"/>
+            <a:ext cx="340579" cy="360000"/>
+          </a:xfrm>
+          <a:prstGeom prst="rect">
+            <a:avLst/>
+          </a:prstGeom>
+        </p:spPr>
+      </p:pic>
+      <p:pic>
+        <p:nvPicPr>
+          <p:cNvPr id="9" name="334E55B0-647D-440b-865C-3EC943EB4CBC-3" descr="wpsoffice"/>
+          <p:cNvPicPr>
+            <a:picLocks noChangeAspect="1"/>
+          </p:cNvPicPr>
+          <p:nvPr/>
+        </p:nvPicPr>
+        <p:blipFill>
+          <a:blip r:embed="rId5"/>
+          <a:stretch>
+            <a:fillRect/>
+          </a:stretch>
+        </p:blipFill>
+        <p:spPr>
+          <a:xfrm>
             <a:off x="4871720" y="3380105"/>
             <a:ext cx="371613" cy="360000"/>
           </a:xfrm>
@@ -12759,13 +12637,6 @@
   <p:clrMapOvr>
     <a:masterClrMapping/>
   </p:clrMapOvr>
-  <p:timing>
-    <p:tnLst>
-      <p:par>
-        <p:cTn id="1" dur="indefinite" restart="never" nodeType="tmRoot"/>
-      </p:par>
-    </p:tnLst>
-  </p:timing>
 </p:sld>
 </file>
 
@@ -12788,6 +12659,762 @@
       </p:grpSpPr>
       <p:sp>
         <p:nvSpPr>
+          <p:cNvPr id="2" name="Date Placeholder 1">
+            <a:extLst>
+              <a:ext uri="{FF2B5EF4-FFF2-40B4-BE49-F238E27FC236}">
+                <a16:creationId xmlns:a16="http://schemas.microsoft.com/office/drawing/2014/main" id="{73E61272-8457-BE40-B4D2-11283A8193C8}"/>
+              </a:ext>
+            </a:extLst>
+          </p:cNvPr>
+          <p:cNvSpPr>
+            <a:spLocks noGrp="1"/>
+          </p:cNvSpPr>
+          <p:nvPr>
+            <p:ph type="dt" sz="half" idx="11"/>
+          </p:nvPr>
+        </p:nvSpPr>
+        <p:spPr/>
+        <p:txBody>
+          <a:bodyPr/>
+          <a:lstStyle/>
+          <a:p>
+            <a:pPr algn="l" rtl="0"/>
+            <a:r>
+              <a:rPr lang="en-GB" b="0" i="0" u="none" baseline="0"/>
+              <a:t>26 July 2015</a:t>
+            </a:r>
+            <a:endParaRPr lang="en-GB" dirty="0"/>
+          </a:p>
+        </p:txBody>
+      </p:sp>
+      <p:sp>
+        <p:nvSpPr>
+          <p:cNvPr id="3" name="Footer Placeholder 2">
+            <a:extLst>
+              <a:ext uri="{FF2B5EF4-FFF2-40B4-BE49-F238E27FC236}">
+                <a16:creationId xmlns:a16="http://schemas.microsoft.com/office/drawing/2014/main" id="{0C5179F6-BED4-C34F-91CB-1782FABCC083}"/>
+              </a:ext>
+            </a:extLst>
+          </p:cNvPr>
+          <p:cNvSpPr>
+            <a:spLocks noGrp="1"/>
+          </p:cNvSpPr>
+          <p:nvPr>
+            <p:ph type="ftr" sz="quarter" idx="12"/>
+          </p:nvPr>
+        </p:nvSpPr>
+        <p:spPr/>
+        <p:txBody>
+          <a:bodyPr/>
+          <a:lstStyle/>
+          <a:p>
+            <a:pPr algn="l" rtl="0"/>
+            <a:r>
+              <a:rPr lang="en-GB" b="0" i="0" u="none" baseline="0"/>
+              <a:t>Centre for Template Studies </a:t>
+            </a:r>
+            <a:endParaRPr lang="en-GB" dirty="0"/>
+          </a:p>
+        </p:txBody>
+      </p:sp>
+      <p:sp>
+        <p:nvSpPr>
+          <p:cNvPr id="4" name="Slide Number Placeholder 3">
+            <a:extLst>
+              <a:ext uri="{FF2B5EF4-FFF2-40B4-BE49-F238E27FC236}">
+                <a16:creationId xmlns:a16="http://schemas.microsoft.com/office/drawing/2014/main" id="{9E0F2EAC-B314-5748-B7E2-2ED41BD4B837}"/>
+              </a:ext>
+            </a:extLst>
+          </p:cNvPr>
+          <p:cNvSpPr>
+            <a:spLocks noGrp="1"/>
+          </p:cNvSpPr>
+          <p:nvPr>
+            <p:ph type="sldNum" sz="quarter" idx="13"/>
+          </p:nvPr>
+        </p:nvSpPr>
+        <p:spPr/>
+        <p:txBody>
+          <a:bodyPr/>
+          <a:lstStyle/>
+          <a:p>
+            <a:pPr algn="l" rtl="0"/>
+            <a:fld id="{78742581-81B1-425F-B25E-3CD197136A05}" type="slidenum">
+              <a:rPr lang="en-DE" smtClean="0"/>
+              <a:t>6</a:t>
+            </a:fld>
+            <a:endParaRPr lang="en-DE" dirty="0"/>
+          </a:p>
+        </p:txBody>
+      </p:sp>
+      <p:sp>
+        <p:nvSpPr>
+          <p:cNvPr id="5" name="Title 4">
+            <a:extLst>
+              <a:ext uri="{FF2B5EF4-FFF2-40B4-BE49-F238E27FC236}">
+                <a16:creationId xmlns:a16="http://schemas.microsoft.com/office/drawing/2014/main" id="{5C435D70-499C-A64E-A278-F90A00C16526}"/>
+              </a:ext>
+            </a:extLst>
+          </p:cNvPr>
+          <p:cNvSpPr>
+            <a:spLocks noGrp="1"/>
+          </p:cNvSpPr>
+          <p:nvPr>
+            <p:ph type="title"/>
+          </p:nvPr>
+        </p:nvSpPr>
+        <p:spPr/>
+        <p:txBody>
+          <a:bodyPr>
+            <a:normAutofit/>
+          </a:bodyPr>
+          <a:lstStyle/>
+          <a:p>
+            <a:r>
+              <a:rPr lang="en-US" altLang="en-GB" b="0" i="0" dirty="0"/>
+              <a:t>Data acquisition and preprocessing</a:t>
+            </a:r>
+            <a:endParaRPr lang="en-DE" dirty="0"/>
+          </a:p>
+        </p:txBody>
+      </p:sp>
+      <p:sp>
+        <p:nvSpPr>
+          <p:cNvPr id="6" name="Text Placeholder 5">
+            <a:extLst>
+              <a:ext uri="{FF2B5EF4-FFF2-40B4-BE49-F238E27FC236}">
+                <a16:creationId xmlns:a16="http://schemas.microsoft.com/office/drawing/2014/main" id="{B15280BA-68A7-2047-A55F-F224D6D8F05B}"/>
+              </a:ext>
+            </a:extLst>
+          </p:cNvPr>
+          <p:cNvSpPr>
+            <a:spLocks noGrp="1"/>
+          </p:cNvSpPr>
+          <p:nvPr>
+            <p:ph type="body" sz="quarter" idx="10"/>
+          </p:nvPr>
+        </p:nvSpPr>
+        <p:spPr/>
+        <p:txBody>
+          <a:bodyPr>
+            <a:normAutofit/>
+          </a:bodyPr>
+          <a:lstStyle/>
+          <a:p>
+            <a:pPr marL="457200" lvl="1" indent="0">
+              <a:buNone/>
+            </a:pPr>
+            <a:endParaRPr lang="en-DE" dirty="0"/>
+          </a:p>
+          <a:p>
+            <a:r>
+              <a:rPr lang="en-DE" dirty="0"/>
+              <a:t>Pedestiran trajectory prediction is a Data-Drivien task which requires dataset of quality and sufficient quantity.</a:t>
+            </a:r>
+          </a:p>
+          <a:p>
+            <a:r>
+              <a:rPr lang="en-DE" dirty="0"/>
+              <a:t>Datasets ETH (BIWI Walking Pedestrian ) - </a:t>
+            </a:r>
+            <a:r>
+              <a:rPr lang="en-GB" dirty="0"/>
+              <a:t>Pellegrini et al. from ETH Zurich University</a:t>
+            </a:r>
+            <a:endParaRPr lang="en-DE" dirty="0"/>
+          </a:p>
+          <a:p>
+            <a:pPr lvl="1"/>
+            <a:r>
+              <a:rPr lang="en-DE" dirty="0"/>
+              <a:t>ETH</a:t>
+            </a:r>
+          </a:p>
+          <a:p>
+            <a:pPr lvl="1"/>
+            <a:r>
+              <a:rPr lang="en-DE" dirty="0"/>
+              <a:t>Hotel</a:t>
+            </a:r>
+          </a:p>
+          <a:p>
+            <a:r>
+              <a:rPr lang="en-DE" dirty="0"/>
+              <a:t>UCY – (</a:t>
+            </a:r>
+            <a:r>
+              <a:rPr lang="en-GB" dirty="0"/>
+              <a:t>Lerner et al. from the University of Cyprus</a:t>
+            </a:r>
+            <a:r>
+              <a:rPr lang="en-DE" dirty="0"/>
+              <a:t>)</a:t>
+            </a:r>
+          </a:p>
+          <a:p>
+            <a:pPr lvl="1"/>
+            <a:r>
+              <a:rPr lang="en-GB" dirty="0"/>
+              <a:t>U</a:t>
+            </a:r>
+            <a:r>
+              <a:rPr lang="en-DE" dirty="0"/>
+              <a:t>niv</a:t>
+            </a:r>
+          </a:p>
+          <a:p>
+            <a:pPr lvl="1"/>
+            <a:r>
+              <a:rPr lang="en-DE" dirty="0"/>
+              <a:t>Zara1</a:t>
+            </a:r>
+          </a:p>
+          <a:p>
+            <a:pPr lvl="1"/>
+            <a:r>
+              <a:rPr lang="en-DE" dirty="0"/>
+              <a:t>Zara2</a:t>
+            </a:r>
+          </a:p>
+          <a:p>
+            <a:pPr lvl="1"/>
+            <a:endParaRPr lang="en-DE" dirty="0"/>
+          </a:p>
+        </p:txBody>
+      </p:sp>
+    </p:spTree>
+    <p:extLst>
+      <p:ext uri="{BB962C8B-B14F-4D97-AF65-F5344CB8AC3E}">
+        <p14:creationId xmlns:p14="http://schemas.microsoft.com/office/powerpoint/2010/main" val="1295196546"/>
+      </p:ext>
+    </p:extLst>
+  </p:cSld>
+  <p:clrMapOvr>
+    <a:masterClrMapping/>
+  </p:clrMapOvr>
+</p:sld>
+</file>
+
+<file path=ppt/slides/slide7.xml><?xml version="1.0" encoding="utf-8"?>
+<p:sld xmlns:a="http://schemas.openxmlformats.org/drawingml/2006/main" xmlns:r="http://schemas.openxmlformats.org/officeDocument/2006/relationships" xmlns:p="http://schemas.openxmlformats.org/presentationml/2006/main">
+  <p:cSld>
+    <p:spTree>
+      <p:nvGrpSpPr>
+        <p:cNvPr id="1" name=""/>
+        <p:cNvGrpSpPr/>
+        <p:nvPr/>
+      </p:nvGrpSpPr>
+      <p:grpSpPr>
+        <a:xfrm>
+          <a:off x="0" y="0"/>
+          <a:ext cx="0" cy="0"/>
+          <a:chOff x="0" y="0"/>
+          <a:chExt cx="0" cy="0"/>
+        </a:xfrm>
+      </p:grpSpPr>
+      <p:sp>
+        <p:nvSpPr>
+          <p:cNvPr id="2" name="Date Placeholder 1">
+            <a:extLst>
+              <a:ext uri="{FF2B5EF4-FFF2-40B4-BE49-F238E27FC236}">
+                <a16:creationId xmlns:a16="http://schemas.microsoft.com/office/drawing/2014/main" id="{CE993467-20E2-B741-968F-6071DE03523F}"/>
+              </a:ext>
+            </a:extLst>
+          </p:cNvPr>
+          <p:cNvSpPr>
+            <a:spLocks noGrp="1"/>
+          </p:cNvSpPr>
+          <p:nvPr>
+            <p:ph type="dt" sz="half" idx="11"/>
+          </p:nvPr>
+        </p:nvSpPr>
+        <p:spPr/>
+        <p:txBody>
+          <a:bodyPr/>
+          <a:lstStyle/>
+          <a:p>
+            <a:pPr algn="l" rtl="0"/>
+            <a:r>
+              <a:rPr lang="en-GB" b="0" i="0" u="none" baseline="0"/>
+              <a:t>26 July 2015</a:t>
+            </a:r>
+            <a:endParaRPr lang="en-GB" dirty="0"/>
+          </a:p>
+        </p:txBody>
+      </p:sp>
+      <p:sp>
+        <p:nvSpPr>
+          <p:cNvPr id="3" name="Footer Placeholder 2">
+            <a:extLst>
+              <a:ext uri="{FF2B5EF4-FFF2-40B4-BE49-F238E27FC236}">
+                <a16:creationId xmlns:a16="http://schemas.microsoft.com/office/drawing/2014/main" id="{AF9D0B1C-5995-3142-BB14-EA6AB7C5DBB9}"/>
+              </a:ext>
+            </a:extLst>
+          </p:cNvPr>
+          <p:cNvSpPr>
+            <a:spLocks noGrp="1"/>
+          </p:cNvSpPr>
+          <p:nvPr>
+            <p:ph type="ftr" sz="quarter" idx="12"/>
+          </p:nvPr>
+        </p:nvSpPr>
+        <p:spPr/>
+        <p:txBody>
+          <a:bodyPr/>
+          <a:lstStyle/>
+          <a:p>
+            <a:pPr algn="l" rtl="0"/>
+            <a:r>
+              <a:rPr lang="en-GB" b="0" i="0" u="none" baseline="0"/>
+              <a:t>Centre for Template Studies </a:t>
+            </a:r>
+            <a:endParaRPr lang="en-GB" dirty="0"/>
+          </a:p>
+        </p:txBody>
+      </p:sp>
+      <p:sp>
+        <p:nvSpPr>
+          <p:cNvPr id="4" name="Slide Number Placeholder 3">
+            <a:extLst>
+              <a:ext uri="{FF2B5EF4-FFF2-40B4-BE49-F238E27FC236}">
+                <a16:creationId xmlns:a16="http://schemas.microsoft.com/office/drawing/2014/main" id="{DA4EAB37-4281-7543-9E0E-9C15DFF0B48A}"/>
+              </a:ext>
+            </a:extLst>
+          </p:cNvPr>
+          <p:cNvSpPr>
+            <a:spLocks noGrp="1"/>
+          </p:cNvSpPr>
+          <p:nvPr>
+            <p:ph type="sldNum" sz="quarter" idx="13"/>
+          </p:nvPr>
+        </p:nvSpPr>
+        <p:spPr/>
+        <p:txBody>
+          <a:bodyPr/>
+          <a:lstStyle/>
+          <a:p>
+            <a:pPr algn="l" rtl="0"/>
+            <a:fld id="{78742581-81B1-425F-B25E-3CD197136A05}" type="slidenum">
+              <a:rPr lang="en-DE" smtClean="0"/>
+              <a:t>7</a:t>
+            </a:fld>
+            <a:endParaRPr lang="en-DE" dirty="0"/>
+          </a:p>
+        </p:txBody>
+      </p:sp>
+      <p:sp>
+        <p:nvSpPr>
+          <p:cNvPr id="5" name="Title 4">
+            <a:extLst>
+              <a:ext uri="{FF2B5EF4-FFF2-40B4-BE49-F238E27FC236}">
+                <a16:creationId xmlns:a16="http://schemas.microsoft.com/office/drawing/2014/main" id="{8E2A4621-2DD9-584A-80F9-2A859BB87093}"/>
+              </a:ext>
+            </a:extLst>
+          </p:cNvPr>
+          <p:cNvSpPr>
+            <a:spLocks noGrp="1"/>
+          </p:cNvSpPr>
+          <p:nvPr>
+            <p:ph type="title"/>
+          </p:nvPr>
+        </p:nvSpPr>
+        <p:spPr/>
+        <p:txBody>
+          <a:bodyPr/>
+          <a:lstStyle/>
+          <a:p>
+            <a:r>
+              <a:rPr lang="en-US" altLang="en-GB" b="0" i="0" dirty="0"/>
+              <a:t>Data acquisition and preprocessing</a:t>
+            </a:r>
+            <a:endParaRPr lang="en-DE" dirty="0"/>
+          </a:p>
+        </p:txBody>
+      </p:sp>
+      <p:sp>
+        <p:nvSpPr>
+          <p:cNvPr id="6" name="Text Placeholder 5">
+            <a:extLst>
+              <a:ext uri="{FF2B5EF4-FFF2-40B4-BE49-F238E27FC236}">
+                <a16:creationId xmlns:a16="http://schemas.microsoft.com/office/drawing/2014/main" id="{CD804BF5-D4A4-834C-89CD-44AAE582B8A0}"/>
+              </a:ext>
+            </a:extLst>
+          </p:cNvPr>
+          <p:cNvSpPr>
+            <a:spLocks noGrp="1"/>
+          </p:cNvSpPr>
+          <p:nvPr>
+            <p:ph type="body" sz="quarter" idx="10"/>
+          </p:nvPr>
+        </p:nvSpPr>
+        <p:spPr/>
+        <p:txBody>
+          <a:bodyPr>
+            <a:normAutofit fontScale="70000" lnSpcReduction="20000"/>
+          </a:bodyPr>
+          <a:lstStyle/>
+          <a:p>
+            <a:endParaRPr lang="en-DE" dirty="0"/>
+          </a:p>
+          <a:p>
+            <a:pPr marL="0" indent="0">
+              <a:buNone/>
+            </a:pPr>
+            <a:endParaRPr lang="en-GB" dirty="0"/>
+          </a:p>
+          <a:p>
+            <a:endParaRPr lang="en-GB" dirty="0"/>
+          </a:p>
+          <a:p>
+            <a:endParaRPr lang="en-GB" dirty="0"/>
+          </a:p>
+          <a:p>
+            <a:endParaRPr lang="en-GB" dirty="0"/>
+          </a:p>
+          <a:p>
+            <a:endParaRPr lang="en-GB" dirty="0"/>
+          </a:p>
+          <a:p>
+            <a:endParaRPr lang="en-GB" dirty="0"/>
+          </a:p>
+          <a:p>
+            <a:r>
+              <a:rPr lang="en-GB" dirty="0"/>
+              <a:t>datasets scenes</a:t>
+            </a:r>
+          </a:p>
+          <a:p>
+            <a:r>
+              <a:rPr lang="en-GB" dirty="0"/>
+              <a:t>Most left image represents scene from eth, 2</a:t>
+            </a:r>
+            <a:r>
+              <a:rPr lang="en-GB" baseline="30000" dirty="0"/>
+              <a:t>nd</a:t>
+            </a:r>
+            <a:r>
+              <a:rPr lang="en-GB" dirty="0"/>
+              <a:t> one is ETH hotel dataset</a:t>
+            </a:r>
+          </a:p>
+          <a:p>
+            <a:r>
+              <a:rPr lang="en-GB" dirty="0"/>
+              <a:t>3</a:t>
+            </a:r>
+            <a:r>
+              <a:rPr lang="en-GB" baseline="30000" dirty="0"/>
+              <a:t>rd</a:t>
+            </a:r>
+            <a:r>
+              <a:rPr lang="en-GB" dirty="0"/>
+              <a:t> image is UCY </a:t>
+            </a:r>
+            <a:r>
+              <a:rPr lang="en-GB" dirty="0" err="1"/>
+              <a:t>univ</a:t>
+            </a:r>
+            <a:r>
+              <a:rPr lang="en-GB" dirty="0"/>
+              <a:t> scene and 4</a:t>
+            </a:r>
+            <a:r>
+              <a:rPr lang="en-GB" baseline="30000" dirty="0"/>
+              <a:t>th</a:t>
+            </a:r>
+            <a:r>
+              <a:rPr lang="en-GB" dirty="0"/>
+              <a:t> represents zara1 and zara2</a:t>
+            </a:r>
+          </a:p>
+          <a:p>
+            <a:r>
+              <a:rPr lang="en-GB" dirty="0"/>
+              <a:t>Format</a:t>
+            </a:r>
+          </a:p>
+          <a:p>
+            <a:pPr lvl="1"/>
+            <a:r>
+              <a:rPr lang="en-GB" dirty="0"/>
+              <a:t>[</a:t>
+            </a:r>
+            <a:r>
+              <a:rPr lang="en-GB" dirty="0" err="1"/>
+              <a:t>frame_number</a:t>
+            </a:r>
+            <a:r>
+              <a:rPr lang="en-GB" dirty="0"/>
+              <a:t>, </a:t>
+            </a:r>
+            <a:r>
+              <a:rPr lang="en-GB" dirty="0" err="1"/>
+              <a:t>pedestrian_ID</a:t>
+            </a:r>
+            <a:r>
+              <a:rPr lang="en-GB" dirty="0"/>
+              <a:t>, </a:t>
+            </a:r>
+            <a:r>
+              <a:rPr lang="en-GB" dirty="0" err="1"/>
+              <a:t>pos_x</a:t>
+            </a:r>
+            <a:r>
+              <a:rPr lang="en-GB" dirty="0"/>
+              <a:t>, </a:t>
+            </a:r>
+            <a:r>
+              <a:rPr lang="en-GB" dirty="0" err="1"/>
+              <a:t>pos_z</a:t>
+            </a:r>
+            <a:r>
+              <a:rPr lang="en-GB" dirty="0"/>
+              <a:t>, </a:t>
+            </a:r>
+            <a:r>
+              <a:rPr lang="en-GB" dirty="0" err="1"/>
+              <a:t>pos_y</a:t>
+            </a:r>
+            <a:r>
+              <a:rPr lang="en-GB" dirty="0"/>
+              <a:t>, </a:t>
+            </a:r>
+            <a:r>
+              <a:rPr lang="en-GB" dirty="0" err="1"/>
+              <a:t>v_x</a:t>
+            </a:r>
+            <a:r>
+              <a:rPr lang="en-GB" dirty="0"/>
+              <a:t>, </a:t>
+            </a:r>
+            <a:r>
+              <a:rPr lang="en-GB" dirty="0" err="1"/>
+              <a:t>v_z</a:t>
+            </a:r>
+            <a:r>
+              <a:rPr lang="en-GB" dirty="0"/>
+              <a:t>, </a:t>
+            </a:r>
+            <a:r>
+              <a:rPr lang="en-GB" dirty="0" err="1"/>
+              <a:t>v_y</a:t>
+            </a:r>
+            <a:r>
+              <a:rPr lang="en-GB" dirty="0"/>
+              <a:t>]</a:t>
+            </a:r>
+          </a:p>
+          <a:p>
+            <a:r>
+              <a:rPr lang="en-GB" dirty="0"/>
+              <a:t>UCY contain 1100 trajectories data 850, 148, and 204 for </a:t>
+            </a:r>
+            <a:r>
+              <a:rPr lang="en-GB" dirty="0" err="1"/>
+              <a:t>univ</a:t>
+            </a:r>
+            <a:r>
+              <a:rPr lang="en-GB" dirty="0"/>
+              <a:t>, zara1 and zara2</a:t>
+            </a:r>
+          </a:p>
+          <a:p>
+            <a:r>
+              <a:rPr lang="en-GB" dirty="0"/>
+              <a:t>ETH contain total 785. 365 and 420 for eth and hotel respectively</a:t>
+            </a:r>
+          </a:p>
+          <a:p>
+            <a:pPr lvl="1"/>
+            <a:endParaRPr lang="en-GB" dirty="0"/>
+          </a:p>
+          <a:p>
+            <a:endParaRPr lang="en-GB" dirty="0"/>
+          </a:p>
+          <a:p>
+            <a:endParaRPr lang="en-GB" dirty="0"/>
+          </a:p>
+          <a:p>
+            <a:endParaRPr lang="en-DE" dirty="0"/>
+          </a:p>
+        </p:txBody>
+      </p:sp>
+      <p:pic>
+        <p:nvPicPr>
+          <p:cNvPr id="8" name="Picture 7" descr="A picture containing text&#10;&#10;Description automatically generated">
+            <a:extLst>
+              <a:ext uri="{FF2B5EF4-FFF2-40B4-BE49-F238E27FC236}">
+                <a16:creationId xmlns:a16="http://schemas.microsoft.com/office/drawing/2014/main" id="{6549B30F-0751-F645-A0DE-2B6A4D87B72F}"/>
+              </a:ext>
+            </a:extLst>
+          </p:cNvPr>
+          <p:cNvPicPr>
+            <a:picLocks noChangeAspect="1"/>
+          </p:cNvPicPr>
+          <p:nvPr/>
+        </p:nvPicPr>
+        <p:blipFill>
+          <a:blip r:embed="rId2">
+            <a:extLst>
+              <a:ext uri="{28A0092B-C50C-407E-A947-70E740481C1C}">
+                <a14:useLocalDpi xmlns:a14="http://schemas.microsoft.com/office/drawing/2010/main" val="0"/>
+              </a:ext>
+            </a:extLst>
+          </a:blip>
+          <a:stretch>
+            <a:fillRect/>
+          </a:stretch>
+        </p:blipFill>
+        <p:spPr>
+          <a:xfrm>
+            <a:off x="416443" y="1382140"/>
+            <a:ext cx="2001315" cy="1551019"/>
+          </a:xfrm>
+          <a:prstGeom prst="rect">
+            <a:avLst/>
+          </a:prstGeom>
+        </p:spPr>
+      </p:pic>
+      <p:pic>
+        <p:nvPicPr>
+          <p:cNvPr id="10" name="Picture 9" descr="A picture containing outdoor, military vehicle, transport&#10;&#10;Description automatically generated">
+            <a:extLst>
+              <a:ext uri="{FF2B5EF4-FFF2-40B4-BE49-F238E27FC236}">
+                <a16:creationId xmlns:a16="http://schemas.microsoft.com/office/drawing/2014/main" id="{BFDCF558-118C-AA4A-B7EF-282344CD3E92}"/>
+              </a:ext>
+            </a:extLst>
+          </p:cNvPr>
+          <p:cNvPicPr>
+            <a:picLocks noChangeAspect="1"/>
+          </p:cNvPicPr>
+          <p:nvPr/>
+        </p:nvPicPr>
+        <p:blipFill>
+          <a:blip r:embed="rId3">
+            <a:extLst>
+              <a:ext uri="{28A0092B-C50C-407E-A947-70E740481C1C}">
+                <a14:useLocalDpi xmlns:a14="http://schemas.microsoft.com/office/drawing/2010/main" val="0"/>
+              </a:ext>
+            </a:extLst>
+          </a:blip>
+          <a:stretch>
+            <a:fillRect/>
+          </a:stretch>
+        </p:blipFill>
+        <p:spPr>
+          <a:xfrm>
+            <a:off x="2467006" y="1382140"/>
+            <a:ext cx="1977989" cy="1582392"/>
+          </a:xfrm>
+          <a:prstGeom prst="rect">
+            <a:avLst/>
+          </a:prstGeom>
+        </p:spPr>
+      </p:pic>
+      <p:pic>
+        <p:nvPicPr>
+          <p:cNvPr id="12" name="Picture 11">
+            <a:extLst>
+              <a:ext uri="{FF2B5EF4-FFF2-40B4-BE49-F238E27FC236}">
+                <a16:creationId xmlns:a16="http://schemas.microsoft.com/office/drawing/2014/main" id="{9B2620B3-03FE-924F-A4AF-E8A329E1B903}"/>
+              </a:ext>
+            </a:extLst>
+          </p:cNvPr>
+          <p:cNvPicPr>
+            <a:picLocks noChangeAspect="1"/>
+          </p:cNvPicPr>
+          <p:nvPr/>
+        </p:nvPicPr>
+        <p:blipFill>
+          <a:blip r:embed="rId4">
+            <a:extLst>
+              <a:ext uri="{28A0092B-C50C-407E-A947-70E740481C1C}">
+                <a14:useLocalDpi xmlns:a14="http://schemas.microsoft.com/office/drawing/2010/main" val="0"/>
+              </a:ext>
+            </a:extLst>
+          </a:blip>
+          <a:stretch>
+            <a:fillRect/>
+          </a:stretch>
+        </p:blipFill>
+        <p:spPr>
+          <a:xfrm>
+            <a:off x="4699007" y="1366453"/>
+            <a:ext cx="1977989" cy="1582391"/>
+          </a:xfrm>
+          <a:prstGeom prst="rect">
+            <a:avLst/>
+          </a:prstGeom>
+        </p:spPr>
+      </p:pic>
+      <p:pic>
+        <p:nvPicPr>
+          <p:cNvPr id="14" name="Picture 13">
+            <a:extLst>
+              <a:ext uri="{FF2B5EF4-FFF2-40B4-BE49-F238E27FC236}">
+                <a16:creationId xmlns:a16="http://schemas.microsoft.com/office/drawing/2014/main" id="{59380A09-12B8-4240-85D2-FBCDEA71ECFE}"/>
+              </a:ext>
+            </a:extLst>
+          </p:cNvPr>
+          <p:cNvPicPr>
+            <a:picLocks noChangeAspect="1"/>
+          </p:cNvPicPr>
+          <p:nvPr/>
+        </p:nvPicPr>
+        <p:blipFill>
+          <a:blip r:embed="rId5">
+            <a:extLst>
+              <a:ext uri="{28A0092B-C50C-407E-A947-70E740481C1C}">
+                <a14:useLocalDpi xmlns:a14="http://schemas.microsoft.com/office/drawing/2010/main" val="0"/>
+              </a:ext>
+            </a:extLst>
+          </a:blip>
+          <a:stretch>
+            <a:fillRect/>
+          </a:stretch>
+        </p:blipFill>
+        <p:spPr>
+          <a:xfrm>
+            <a:off x="6723859" y="1382140"/>
+            <a:ext cx="1977990" cy="1582392"/>
+          </a:xfrm>
+          <a:prstGeom prst="rect">
+            <a:avLst/>
+          </a:prstGeom>
+        </p:spPr>
+      </p:pic>
+    </p:spTree>
+    <p:extLst>
+      <p:ext uri="{BB962C8B-B14F-4D97-AF65-F5344CB8AC3E}">
+        <p14:creationId xmlns:p14="http://schemas.microsoft.com/office/powerpoint/2010/main" val="3187542968"/>
+      </p:ext>
+    </p:extLst>
+  </p:cSld>
+  <p:clrMapOvr>
+    <a:masterClrMapping/>
+  </p:clrMapOvr>
+</p:sld>
+</file>
+
+<file path=ppt/slides/slide8.xml><?xml version="1.0" encoding="utf-8"?>
+<p:sld xmlns:a="http://schemas.openxmlformats.org/drawingml/2006/main" xmlns:r="http://schemas.openxmlformats.org/officeDocument/2006/relationships" xmlns:p="http://schemas.openxmlformats.org/presentationml/2006/main">
+  <p:cSld>
+    <p:spTree>
+      <p:nvGrpSpPr>
+        <p:cNvPr id="1" name=""/>
+        <p:cNvGrpSpPr/>
+        <p:nvPr/>
+      </p:nvGrpSpPr>
+      <p:grpSpPr>
+        <a:xfrm>
+          <a:off x="0" y="0"/>
+          <a:ext cx="0" cy="0"/>
+          <a:chOff x="0" y="0"/>
+          <a:chExt cx="0" cy="0"/>
+        </a:xfrm>
+      </p:grpSpPr>
+      <p:sp>
+        <p:nvSpPr>
           <p:cNvPr id="2" name="Titel 1"/>
           <p:cNvSpPr>
             <a:spLocks noGrp="1"/>
@@ -12837,7 +13464,6 @@
               <a:rPr lang="en-US" altLang="en-GB" sz="1200" dirty="0"/>
               <a:t>[1]D. Helbing and P. Molnar. 1995. Social force model for pedestrian dynamics. Physical review E (1995), 4282–4286. https://doi.org/10.1103/PhysRevE.51.4282</a:t>
             </a:r>
-            <a:endParaRPr lang="en-US" altLang="en-GB" sz="1200" dirty="0"/>
           </a:p>
           <a:p>
             <a:pPr marL="0" indent="0" algn="l" rtl="0">
@@ -12848,7 +13474,6 @@
               <a:rPr lang="en-US" altLang="en-GB" sz="1200" dirty="0"/>
               <a:t>[2]Shuai Yi, Hongsheng Li, and Xiaogang Wang. 2015. Understanding pedestrian behaviors from stationary crowd groups. In 2015 IEEE Conference on Computer Vision and Pattern Recognition (CVPR). 3488–3496. https://doi.org/10.1109/CVPR.2015.7298971</a:t>
             </a:r>
-            <a:endParaRPr lang="en-US" altLang="en-GB" sz="1200" dirty="0"/>
           </a:p>
         </p:txBody>
       </p:sp>
@@ -12894,6 +13519,7 @@
             <a:pPr algn="r" rtl="0"/>
             <a:fld id="{78742581-81B1-425F-B25E-3CD197136A05}" type="slidenum">
               <a:rPr/>
+              <a:t>8</a:t>
             </a:fld>
             <a:endParaRPr lang="en-GB" dirty="0"/>
           </a:p>
@@ -12928,13 +13554,6 @@
   <p:clrMapOvr>
     <a:masterClrMapping/>
   </p:clrMapOvr>
-  <p:timing>
-    <p:tnLst>
-      <p:par>
-        <p:cTn id="1" dur="indefinite" restart="never" nodeType="tmRoot"/>
-      </p:par>
-    </p:tnLst>
-  </p:timing>
 </p:sld>
 </file>
 
@@ -13970,6 +14589,8 @@
       </a:bgFillStyleLst>
     </a:fmtScheme>
   </a:themeElements>
+  <a:objectDefaults/>
+  <a:extraClrSchemeLst/>
   <a:extLst>
     <a:ext uri="{05A4C25C-085E-4340-85A3-A5531E510DB2}">
       <thm15:themeFamily xmlns:thm15="http://schemas.microsoft.com/office/thememl/2012/main" name="Office Theme" id="{62F939B6-93AF-4DB8-9C6B-D6C7DFDC589F}" vid="{4A3C46E8-61CC-4603-A589-7422A47A8E4A}"/>
@@ -14256,6 +14877,8 @@
       </a:bgFillStyleLst>
     </a:fmtScheme>
   </a:themeElements>
+  <a:objectDefaults/>
+  <a:extraClrSchemeLst/>
   <a:extLst>
     <a:ext uri="{05A4C25C-085E-4340-85A3-A5531E510DB2}">
       <thm15:themeFamily xmlns:thm15="http://schemas.microsoft.com/office/thememl/2012/main" name="Office Theme" id="{62F939B6-93AF-4DB8-9C6B-D6C7DFDC589F}" vid="{4A3C46E8-61CC-4603-A589-7422A47A8E4A}"/>
@@ -14281,7 +14904,7 @@
 </file>
 
 <file path=customXml/itemProps1.xml><?xml version="1.0" encoding="utf-8"?>
-<ds:datastoreItem xmlns:ds="http://schemas.openxmlformats.org/officeDocument/2006/customXml" ds:itemID="s:customData">
+<ds:datastoreItem xmlns:ds="http://schemas.openxmlformats.org/officeDocument/2006/customXml" ds:itemID="{D5741C95-4B67-894C-9335-5FA0A3DD4AFA}">
   <ds:schemaRefs>
     <ds:schemaRef ds:uri="http://www.wps.cn/officeDocument/2013/wpsCustomData"/>
   </ds:schemaRefs>

--- a/presentation/Team4_Presentation_phase1.pptx
+++ b/presentation/Team4_Presentation_phase1.pptx
@@ -12809,13 +12809,19 @@
           <a:p>
             <a:r>
               <a:rPr lang="en-DE" dirty="0"/>
-              <a:t>Pedestiran trajectory prediction is a Data-Drivien task which requires dataset of quality and sufficient quantity.</a:t>
+              <a:t>Pedestiran trajectory prediction is a Data - Drivien task which requires dataset of quality and sufficient quantity.</a:t>
             </a:r>
           </a:p>
           <a:p>
             <a:r>
               <a:rPr lang="en-DE" dirty="0"/>
-              <a:t>Datasets ETH (BIWI Walking Pedestrian ) - </a:t>
+              <a:t>Datasets </a:t>
+            </a:r>
+          </a:p>
+          <a:p>
+            <a:r>
+              <a:rPr lang="en-DE" dirty="0"/>
+              <a:t>ETH (BIWI Walking Pedestrian) - </a:t>
             </a:r>
             <a:r>
               <a:rPr lang="en-GB" dirty="0"/>
@@ -12840,16 +12846,13 @@
           <a:p>
             <a:r>
               <a:rPr lang="en-DE" dirty="0"/>
-              <a:t>UCY – (</a:t>
+              <a:t>UCY – </a:t>
             </a:r>
             <a:r>
               <a:rPr lang="en-GB" dirty="0"/>
               <a:t>Lerner et al. from the University of Cyprus</a:t>
             </a:r>
-            <a:r>
-              <a:rPr lang="en-DE" dirty="0"/>
-              <a:t>)</a:t>
-            </a:r>
+            <a:endParaRPr lang="en-DE" dirty="0"/>
           </a:p>
           <a:p>
             <a:pPr lvl="1"/>
@@ -13050,7 +13053,7 @@
         <p:spPr/>
         <p:txBody>
           <a:bodyPr>
-            <a:normAutofit fontScale="70000" lnSpcReduction="20000"/>
+            <a:normAutofit fontScale="92500" lnSpcReduction="20000"/>
           </a:bodyPr>
           <a:lstStyle/>
           <a:p>
@@ -13080,35 +13083,13 @@
           <a:p>
             <a:r>
               <a:rPr lang="en-GB" dirty="0"/>
-              <a:t>datasets scenes</a:t>
+              <a:t>ETH contain total 785 trajectories 365 and 420 for eth and hotel respectively</a:t>
             </a:r>
           </a:p>
           <a:p>
             <a:r>
               <a:rPr lang="en-GB" dirty="0"/>
-              <a:t>Most left image represents scene from eth, 2</a:t>
-            </a:r>
-            <a:r>
-              <a:rPr lang="en-GB" baseline="30000" dirty="0"/>
-              <a:t>nd</a:t>
-            </a:r>
-            <a:r>
-              <a:rPr lang="en-GB" dirty="0"/>
-              <a:t> one is ETH hotel dataset</a:t>
-            </a:r>
-          </a:p>
-          <a:p>
-            <a:r>
-              <a:rPr lang="en-GB" dirty="0"/>
-              <a:t>3</a:t>
-            </a:r>
-            <a:r>
-              <a:rPr lang="en-GB" baseline="30000" dirty="0"/>
-              <a:t>rd</a:t>
-            </a:r>
-            <a:r>
-              <a:rPr lang="en-GB" dirty="0"/>
-              <a:t> image is UCY </a:t>
+              <a:t>UCY contain 1100 trajectories data 850, 148, and 204 for </a:t>
             </a:r>
             <a:r>
               <a:rPr lang="en-GB" dirty="0" err="1"/>
@@ -13116,15 +13097,7 @@
             </a:r>
             <a:r>
               <a:rPr lang="en-GB" dirty="0"/>
-              <a:t> scene and 4</a:t>
-            </a:r>
-            <a:r>
-              <a:rPr lang="en-GB" baseline="30000" dirty="0"/>
-              <a:t>th</a:t>
-            </a:r>
-            <a:r>
-              <a:rPr lang="en-GB" dirty="0"/>
-              <a:t> represents zara1 and zara2</a:t>
+              <a:t>, zara1 and zara2</a:t>
             </a:r>
           </a:p>
           <a:p>
@@ -13202,26 +13175,6 @@
             <a:r>
               <a:rPr lang="en-GB" dirty="0"/>
               <a:t>]</a:t>
-            </a:r>
-          </a:p>
-          <a:p>
-            <a:r>
-              <a:rPr lang="en-GB" dirty="0"/>
-              <a:t>UCY contain 1100 trajectories data 850, 148, and 204 for </a:t>
-            </a:r>
-            <a:r>
-              <a:rPr lang="en-GB" dirty="0" err="1"/>
-              <a:t>univ</a:t>
-            </a:r>
-            <a:r>
-              <a:rPr lang="en-GB" dirty="0"/>
-              <a:t>, zara1 and zara2</a:t>
-            </a:r>
-          </a:p>
-          <a:p>
-            <a:r>
-              <a:rPr lang="en-GB" dirty="0"/>
-              <a:t>ETH contain total 785. 365 and 420 for eth and hotel respectively</a:t>
             </a:r>
           </a:p>
           <a:p>
